--- a/proyecto/informe/entrega2/Diapositivas.pptx
+++ b/proyecto/informe/entrega2/Diapositivas.pptx
@@ -276,7 +276,7 @@
       <p15:sldGuideLst xmlns:p15="http://schemas.microsoft.com/office/powerpoint/2012/main"/>
     </p:ext>
     <p:ext uri="http://customooxmlschemas.google.com/">
-      <go:slidesCustomData xmlns="" xmlns:mc="http://schemas.openxmlformats.org/markup-compatibility/2006" xmlns:mv="urn:schemas-microsoft-com:mac:vml" xmlns:c="http://schemas.openxmlformats.org/drawingml/2006/chart" xmlns:dgm="http://schemas.openxmlformats.org/drawingml/2006/diagram" xmlns:o="urn:schemas-microsoft-com:office:office" xmlns:v="urn:schemas-microsoft-com:vml" xmlns:pvml="urn:schemas-microsoft-com:office:powerpoint" xmlns:com="http://schemas.openxmlformats.org/drawingml/2006/compatibility" xmlns:p14="http://schemas.microsoft.com/office/powerpoint/2010/main" xmlns:p15="http://schemas.microsoft.com/office/powerpoint/2012/main" xmlns:ahyp="http://schemas.microsoft.com/office/drawing/2018/hyperlinkcolor" xmlns:go="http://customooxmlschemas.google.com/" r:id="rId27" roundtripDataSignature="AMtx7mivk/4j0+O/0XGq3ULvzPr2J94pJA=="/>
+      <go:slidesCustomData xmlns:go="http://customooxmlschemas.google.com/" xmlns:ahyp="http://schemas.microsoft.com/office/drawing/2018/hyperlinkcolor" xmlns:p15="http://schemas.microsoft.com/office/powerpoint/2012/main" xmlns:p14="http://schemas.microsoft.com/office/powerpoint/2010/main" xmlns:com="http://schemas.openxmlformats.org/drawingml/2006/compatibility" xmlns:pvml="urn:schemas-microsoft-com:office:powerpoint" xmlns:v="urn:schemas-microsoft-com:vml" xmlns:o="urn:schemas-microsoft-com:office:office" xmlns:dgm="http://schemas.openxmlformats.org/drawingml/2006/diagram" xmlns:c="http://schemas.openxmlformats.org/drawingml/2006/chart" xmlns:mv="urn:schemas-microsoft-com:mac:vml" xmlns:mc="http://schemas.openxmlformats.org/markup-compatibility/2006" xmlns="" r:id="rId27" roundtripDataSignature="AMtx7mivk/4j0+O/0XGq3ULvzPr2J94pJA=="/>
     </p:ext>
   </p:extLst>
 </p:presentation>
@@ -46468,7 +46468,7 @@
         <p:spPr>
           <a:xfrm>
             <a:off x="161999" y="5086159"/>
-            <a:ext cx="6983100" cy="729000"/>
+            <a:ext cx="6983100" cy="767987"/>
           </a:xfrm>
           <a:prstGeom prst="rect">
             <a:avLst/>
@@ -46643,187 +46643,7 @@
                 <a:cs typeface="Arial"/>
                 <a:sym typeface="Arial"/>
               </a:rPr>
-              <a:t> </a:t>
-            </a:r>
-            <a:r>
-              <a:rPr lang="en-US" sz="2200" b="0" i="0" u="none" strike="noStrike" cap="none" dirty="0" err="1">
-                <a:solidFill>
-                  <a:srgbClr val="001E33"/>
-                </a:solidFill>
-                <a:latin typeface="Arial"/>
-                <a:ea typeface="Arial"/>
-                <a:cs typeface="Arial"/>
-                <a:sym typeface="Arial"/>
-              </a:rPr>
-              <a:t>restringido</a:t>
-            </a:r>
-            <a:r>
-              <a:rPr lang="en-US" sz="2200" b="0" i="0" u="none" strike="noStrike" cap="none" dirty="0">
-                <a:solidFill>
-                  <a:srgbClr val="001E33"/>
-                </a:solidFill>
-                <a:latin typeface="Arial"/>
-                <a:ea typeface="Arial"/>
-                <a:cs typeface="Arial"/>
-                <a:sym typeface="Arial"/>
-              </a:rPr>
-              <a:t> </a:t>
-            </a:r>
-            <a:r>
-              <a:rPr lang="en-US" sz="1400" b="0" i="0" u="none" strike="noStrike" cap="none" dirty="0">
-                <a:solidFill>
-                  <a:srgbClr val="ED7D31"/>
-                </a:solidFill>
-                <a:latin typeface="Arial"/>
-                <a:ea typeface="Arial"/>
-                <a:cs typeface="Arial"/>
-                <a:sym typeface="Arial"/>
-              </a:rPr>
-              <a:t>(</a:t>
-            </a:r>
-            <a:r>
-              <a:rPr lang="en-US" sz="1400" b="0" i="1" u="none" strike="noStrike" cap="none" dirty="0" err="1">
-                <a:solidFill>
-                  <a:srgbClr val="ED7D31"/>
-                </a:solidFill>
-                <a:latin typeface="Arial"/>
-                <a:ea typeface="Arial"/>
-                <a:cs typeface="Arial"/>
-                <a:sym typeface="Arial"/>
-              </a:rPr>
-              <a:t>En</a:t>
-            </a:r>
-            <a:r>
-              <a:rPr lang="en-US" sz="1400" b="0" i="1" u="none" strike="noStrike" cap="none" dirty="0">
-                <a:solidFill>
-                  <a:srgbClr val="ED7D31"/>
-                </a:solidFill>
-                <a:latin typeface="Arial"/>
-                <a:ea typeface="Arial"/>
-                <a:cs typeface="Arial"/>
-                <a:sym typeface="Arial"/>
-              </a:rPr>
-              <a:t> </a:t>
-            </a:r>
-            <a:r>
-              <a:rPr lang="en-US" sz="1400" b="0" i="1" u="none" strike="noStrike" cap="none" dirty="0" err="1">
-                <a:solidFill>
-                  <a:srgbClr val="ED7D31"/>
-                </a:solidFill>
-                <a:latin typeface="Arial"/>
-                <a:ea typeface="Arial"/>
-                <a:cs typeface="Arial"/>
-                <a:sym typeface="Arial"/>
-              </a:rPr>
-              <a:t>este</a:t>
-            </a:r>
-            <a:r>
-              <a:rPr lang="en-US" sz="1400" b="0" i="1" u="none" strike="noStrike" cap="none" dirty="0">
-                <a:solidFill>
-                  <a:srgbClr val="ED7D31"/>
-                </a:solidFill>
-                <a:latin typeface="Arial"/>
-                <a:ea typeface="Arial"/>
-                <a:cs typeface="Arial"/>
-                <a:sym typeface="Arial"/>
-              </a:rPr>
-              <a:t> </a:t>
-            </a:r>
-            <a:r>
-              <a:rPr lang="en-US" sz="1400" b="0" i="1" u="none" strike="noStrike" cap="none" dirty="0" err="1">
-                <a:solidFill>
-                  <a:srgbClr val="ED7D31"/>
-                </a:solidFill>
-                <a:latin typeface="Arial"/>
-                <a:ea typeface="Arial"/>
-                <a:cs typeface="Arial"/>
-                <a:sym typeface="Arial"/>
-              </a:rPr>
-              <a:t>semestre</a:t>
-            </a:r>
-            <a:r>
-              <a:rPr lang="en-US" sz="1400" b="0" i="1" u="none" strike="noStrike" cap="none" dirty="0">
-                <a:solidFill>
-                  <a:srgbClr val="ED7D31"/>
-                </a:solidFill>
-                <a:latin typeface="Arial"/>
-                <a:ea typeface="Arial"/>
-                <a:cs typeface="Arial"/>
-                <a:sym typeface="Arial"/>
-              </a:rPr>
-              <a:t>, </a:t>
-            </a:r>
-            <a:r>
-              <a:rPr lang="en-US" sz="1400" b="0" i="1" u="none" strike="noStrike" cap="none" dirty="0" err="1">
-                <a:solidFill>
-                  <a:srgbClr val="ED7D31"/>
-                </a:solidFill>
-                <a:latin typeface="Arial"/>
-                <a:ea typeface="Arial"/>
-                <a:cs typeface="Arial"/>
-                <a:sym typeface="Arial"/>
-              </a:rPr>
-              <a:t>podría</a:t>
-            </a:r>
-            <a:r>
-              <a:rPr lang="en-US" sz="1400" b="0" i="1" u="none" strike="noStrike" cap="none" dirty="0">
-                <a:solidFill>
-                  <a:srgbClr val="ED7D31"/>
-                </a:solidFill>
-                <a:latin typeface="Arial"/>
-                <a:ea typeface="Arial"/>
-                <a:cs typeface="Arial"/>
-                <a:sym typeface="Arial"/>
-              </a:rPr>
-              <a:t> ser DFS, BFS, Dijkstra, A*... </a:t>
-            </a:r>
-            <a:r>
-              <a:rPr lang="en-US" sz="1400" b="1" i="1" u="none" strike="noStrike" cap="none" dirty="0" err="1">
-                <a:solidFill>
-                  <a:srgbClr val="ED7D31"/>
-                </a:solidFill>
-                <a:latin typeface="Arial"/>
-                <a:ea typeface="Arial"/>
-                <a:cs typeface="Arial"/>
-                <a:sym typeface="Arial"/>
-              </a:rPr>
-              <a:t>por</a:t>
-            </a:r>
-            <a:r>
-              <a:rPr lang="en-US" sz="1400" b="1" i="1" u="none" strike="noStrike" cap="none" dirty="0">
-                <a:solidFill>
-                  <a:srgbClr val="ED7D31"/>
-                </a:solidFill>
-                <a:latin typeface="Arial"/>
-                <a:ea typeface="Arial"/>
-                <a:cs typeface="Arial"/>
-                <a:sym typeface="Arial"/>
-              </a:rPr>
-              <a:t> favor, </a:t>
-            </a:r>
-            <a:r>
-              <a:rPr lang="en-US" sz="1400" b="1" i="1" u="none" strike="noStrike" cap="none" dirty="0" err="1">
-                <a:solidFill>
-                  <a:srgbClr val="ED7D31"/>
-                </a:solidFill>
-                <a:latin typeface="Arial"/>
-                <a:ea typeface="Arial"/>
-                <a:cs typeface="Arial"/>
-                <a:sym typeface="Arial"/>
-              </a:rPr>
-              <a:t>elija</a:t>
-            </a:r>
-            <a:r>
-              <a:rPr lang="en-US" sz="1400" b="0" i="0" u="none" strike="noStrike" cap="none" dirty="0">
-                <a:solidFill>
-                  <a:srgbClr val="ED7D31"/>
-                </a:solidFill>
-                <a:latin typeface="Arial"/>
-                <a:ea typeface="Arial"/>
-                <a:cs typeface="Arial"/>
-                <a:sym typeface="Arial"/>
-              </a:rPr>
-              <a:t>)</a:t>
+              <a:t> es DFS</a:t>
             </a:r>
             <a:r>
               <a:rPr lang="en-US" sz="1400" b="0" i="0" u="none" strike="noStrike" cap="none" dirty="0">
@@ -47690,7 +47510,13 @@
         <p:nvGraphicFramePr>
           <p:cNvPr id="422" name="Google Shape;422;p5"/>
           <p:cNvGraphicFramePr/>
-          <p:nvPr/>
+          <p:nvPr>
+            <p:extLst>
+              <p:ext uri="{D42A27DB-BD31-4B8C-83A1-F6EECF244321}">
+                <p14:modId xmlns:p14="http://schemas.microsoft.com/office/powerpoint/2010/main" val="864642836"/>
+              </p:ext>
+            </p:extLst>
+          </p:nvPr>
         </p:nvGraphicFramePr>
         <p:xfrm>
           <a:off x="471720" y="1194240"/>
@@ -48087,61 +47913,9 @@
                           <a:cs typeface="Arial"/>
                           <a:sym typeface="Arial"/>
                         </a:rPr>
-                        <a:t>O(</a:t>
+                        <a:t>O(V)</a:t>
                       </a:r>
-                      <a:r>
-                        <a:rPr lang="en-US" sz="2200" u="none" strike="noStrike" cap="none">
-                          <a:solidFill>
-                            <a:srgbClr val="FFFFFF"/>
-                          </a:solidFill>
-                        </a:rPr>
-                        <a:t>V </a:t>
-                      </a:r>
-                      <a:r>
-                        <a:rPr lang="en-US" sz="2200" b="0" u="none" strike="noStrike" cap="none" baseline="30000">
-                          <a:solidFill>
-                            <a:srgbClr val="FFFFFF"/>
-                          </a:solidFill>
-                          <a:latin typeface="Arial"/>
-                          <a:ea typeface="Arial"/>
-                          <a:cs typeface="Arial"/>
-                          <a:sym typeface="Arial"/>
-                        </a:rPr>
-                        <a:t>2</a:t>
-                      </a:r>
-                      <a:r>
-                        <a:rPr lang="en-US" sz="2200" b="0" u="none" strike="noStrike" cap="none">
-                          <a:solidFill>
-                            <a:srgbClr val="FFFFFF"/>
-                          </a:solidFill>
-                          <a:latin typeface="Arial"/>
-                          <a:ea typeface="Arial"/>
-                          <a:cs typeface="Arial"/>
-                          <a:sym typeface="Arial"/>
-                        </a:rPr>
-                        <a:t>*E*2 </a:t>
-                      </a:r>
-                      <a:r>
-                        <a:rPr lang="en-US" sz="2200" u="none" strike="noStrike" cap="none" baseline="30000">
-                          <a:solidFill>
-                            <a:srgbClr val="FFFFFF"/>
-                          </a:solidFill>
-                        </a:rPr>
-                        <a:t>V</a:t>
-                      </a:r>
-                      <a:r>
-                        <a:rPr lang="en-US" sz="2200" b="0" u="none" strike="noStrike" cap="none">
-                          <a:solidFill>
-                            <a:srgbClr val="FFFFFF"/>
-                          </a:solidFill>
-                          <a:latin typeface="Arial"/>
-                          <a:ea typeface="Arial"/>
-                          <a:cs typeface="Arial"/>
-                          <a:sym typeface="Arial"/>
-                        </a:rPr>
-                        <a:t>)</a:t>
-                      </a:r>
-                      <a:endParaRPr sz="2200" b="0" u="none" strike="noStrike" cap="none">
+                      <a:endParaRPr sz="2200" b="0" u="none" strike="noStrike" cap="none" dirty="0">
                         <a:latin typeface="Arial"/>
                         <a:ea typeface="Arial"/>
                         <a:cs typeface="Arial"/>
@@ -48214,7 +47988,7 @@
                         <a:buNone/>
                       </a:pPr>
                       <a:r>
-                        <a:rPr lang="en-US" sz="2200" b="0" u="none" strike="noStrike" cap="none">
+                        <a:rPr lang="en-US" sz="2200" b="0" u="none" strike="noStrike" cap="none" dirty="0">
                           <a:solidFill>
                             <a:srgbClr val="FFFFFF"/>
                           </a:solidFill>
@@ -48226,23 +48000,15 @@
                         <a:t>O(</a:t>
                       </a:r>
                       <a:r>
-                        <a:rPr lang="en-US" sz="2200" u="none" strike="noStrike" cap="none">
+                        <a:rPr lang="en-US" sz="2200" u="none" strike="noStrike" cap="none" dirty="0">
                           <a:solidFill>
                             <a:srgbClr val="FFFFFF"/>
                           </a:solidFill>
                         </a:rPr>
-                        <a:t>V*E*2</a:t>
+                        <a:t>V + E</a:t>
                       </a:r>
                       <a:r>
-                        <a:rPr lang="en-US" sz="2200" u="none" strike="noStrike" cap="none" baseline="30000">
-                          <a:solidFill>
-                            <a:srgbClr val="FFFFFF"/>
-                          </a:solidFill>
-                        </a:rPr>
-                        <a:t>E</a:t>
-                      </a:r>
-                      <a:r>
-                        <a:rPr lang="en-US" sz="2200" b="0" u="none" strike="noStrike" cap="none">
+                        <a:rPr lang="en-US" sz="2200" b="0" u="none" strike="noStrike" cap="none" dirty="0">
                           <a:solidFill>
                             <a:srgbClr val="FFFFFF"/>
                           </a:solidFill>
@@ -48253,7 +48019,7 @@
                         </a:rPr>
                         <a:t>)</a:t>
                       </a:r>
-                      <a:endParaRPr sz="2200" b="0" u="none" strike="noStrike" cap="none">
+                      <a:endParaRPr sz="2200" b="0" u="none" strike="noStrike" cap="none" dirty="0">
                         <a:latin typeface="Arial"/>
                         <a:ea typeface="Arial"/>
                         <a:cs typeface="Arial"/>
@@ -48528,7 +48294,7 @@
                         <a:buNone/>
                       </a:pPr>
                       <a:r>
-                        <a:rPr lang="en-US" sz="2200" b="0" u="none" strike="noStrike" cap="none">
+                        <a:rPr lang="en-US" sz="2200" b="0" u="none" strike="noStrike" cap="none" dirty="0">
                           <a:solidFill>
                             <a:srgbClr val="FFFFFF"/>
                           </a:solidFill>
@@ -48540,7 +48306,7 @@
                         <a:t>O(</a:t>
                       </a:r>
                       <a:r>
-                        <a:rPr lang="en-US" sz="2200" u="none" strike="noStrike" cap="none">
+                        <a:rPr lang="en-US" sz="2200" u="none" strike="noStrike" cap="none" dirty="0">
                           <a:solidFill>
                             <a:srgbClr val="FFFFFF"/>
                           </a:solidFill>
@@ -48548,7 +48314,7 @@
                         <a:t>E</a:t>
                       </a:r>
                       <a:r>
-                        <a:rPr lang="en-US" sz="2200" b="0" u="none" strike="noStrike" cap="none">
+                        <a:rPr lang="en-US" sz="2200" b="0" u="none" strike="noStrike" cap="none" dirty="0">
                           <a:solidFill>
                             <a:srgbClr val="FFFFFF"/>
                           </a:solidFill>
@@ -48559,7 +48325,7 @@
                         </a:rPr>
                         <a:t>)</a:t>
                       </a:r>
-                      <a:endParaRPr sz="2200" b="0" u="none" strike="noStrike" cap="none">
+                      <a:endParaRPr sz="2200" b="0" u="none" strike="noStrike" cap="none" dirty="0">
                         <a:latin typeface="Arial"/>
                         <a:ea typeface="Arial"/>
                         <a:cs typeface="Arial"/>

--- a/proyecto/informe/entrega2/Diapositivas.pptx
+++ b/proyecto/informe/entrega2/Diapositivas.pptx
@@ -20,8 +20,8 @@
     <p:sldId id="264" r:id="rId11"/>
     <p:sldId id="265" r:id="rId12"/>
     <p:sldId id="266" r:id="rId13"/>
-    <p:sldId id="267" r:id="rId14"/>
-    <p:sldId id="268" r:id="rId15"/>
+    <p:sldId id="268" r:id="rId14"/>
+    <p:sldId id="267" r:id="rId15"/>
     <p:sldId id="269" r:id="rId16"/>
   </p:sldIdLst>
   <p:sldSz cx="12192000" cy="6858000"/>
@@ -1111,7 +1111,7 @@
   <p:cSld>
     <p:spTree>
       <p:nvGrpSpPr>
-        <p:cNvPr id="1" name="Shape 558"/>
+        <p:cNvPr id="1" name="Shape 623"/>
         <p:cNvGrpSpPr/>
         <p:nvPr/>
       </p:nvGrpSpPr>
@@ -1125,7 +1125,7 @@
       </p:grpSpPr>
       <p:sp>
         <p:nvSpPr>
-          <p:cNvPr id="559" name="Google Shape;559;g1066244c191_0_133:notes"/>
+          <p:cNvPr id="624" name="Google Shape;624;p10:notes"/>
           <p:cNvSpPr txBox="1">
             <a:spLocks noGrp="1"/>
           </p:cNvSpPr>
@@ -1136,7 +1136,7 @@
         <p:spPr>
           <a:xfrm>
             <a:off x="777225" y="4777725"/>
-            <a:ext cx="6217800" cy="4526400"/>
+            <a:ext cx="6217900" cy="4526275"/>
           </a:xfrm>
           <a:prstGeom prst="rect">
             <a:avLst/>
@@ -1165,17 +1165,13 @@
               <a:buSzPts val="1100"/>
               <a:buNone/>
             </a:pPr>
-            <a:r>
-              <a:rPr lang="en-US"/>
-              <a:t>	 </a:t>
-            </a:r>
             <a:endParaRPr/>
           </a:p>
         </p:txBody>
       </p:sp>
       <p:sp>
         <p:nvSpPr>
-          <p:cNvPr id="560" name="Google Shape;560;g1066244c191_0_133:notes"/>
+          <p:cNvPr id="625" name="Google Shape;625;p10:notes"/>
           <p:cNvSpPr>
             <a:spLocks noGrp="1" noRot="1" noChangeAspect="1"/>
           </p:cNvSpPr>
@@ -1185,8 +1181,8 @@
         </p:nvSpPr>
         <p:spPr>
           <a:xfrm>
-            <a:off x="1295650" y="754375"/>
-            <a:ext cx="5181900" cy="3771900"/>
+            <a:off x="533400" y="754063"/>
+            <a:ext cx="6705600" cy="3771900"/>
           </a:xfrm>
           <a:custGeom>
             <a:avLst/>
@@ -1237,7 +1233,7 @@
   <p:cSld>
     <p:spTree>
       <p:nvGrpSpPr>
-        <p:cNvPr id="1" name="Shape 623"/>
+        <p:cNvPr id="1" name="Shape 558"/>
         <p:cNvGrpSpPr/>
         <p:nvPr/>
       </p:nvGrpSpPr>
@@ -1251,7 +1247,7 @@
       </p:grpSpPr>
       <p:sp>
         <p:nvSpPr>
-          <p:cNvPr id="624" name="Google Shape;624;p10:notes"/>
+          <p:cNvPr id="559" name="Google Shape;559;g1066244c191_0_133:notes"/>
           <p:cNvSpPr txBox="1">
             <a:spLocks noGrp="1"/>
           </p:cNvSpPr>
@@ -1262,7 +1258,7 @@
         <p:spPr>
           <a:xfrm>
             <a:off x="777225" y="4777725"/>
-            <a:ext cx="6217900" cy="4526275"/>
+            <a:ext cx="6217800" cy="4526400"/>
           </a:xfrm>
           <a:prstGeom prst="rect">
             <a:avLst/>
@@ -1291,13 +1287,17 @@
               <a:buSzPts val="1100"/>
               <a:buNone/>
             </a:pPr>
+            <a:r>
+              <a:rPr lang="en-US"/>
+              <a:t>	 </a:t>
+            </a:r>
             <a:endParaRPr/>
           </a:p>
         </p:txBody>
       </p:sp>
       <p:sp>
         <p:nvSpPr>
-          <p:cNvPr id="625" name="Google Shape;625;p10:notes"/>
+          <p:cNvPr id="560" name="Google Shape;560;g1066244c191_0_133:notes"/>
           <p:cNvSpPr>
             <a:spLocks noGrp="1" noRot="1" noChangeAspect="1"/>
           </p:cNvSpPr>
@@ -1308,7 +1308,7 @@
         <p:spPr>
           <a:xfrm>
             <a:off x="1295650" y="754375"/>
-            <a:ext cx="5181850" cy="3771900"/>
+            <a:ext cx="5181900" cy="3771900"/>
           </a:xfrm>
           <a:custGeom>
             <a:avLst/>
@@ -2283,8 +2283,8 @@
         </p:nvSpPr>
         <p:spPr>
           <a:xfrm>
-            <a:off x="1295650" y="754375"/>
-            <a:ext cx="5181900" cy="3771900"/>
+            <a:off x="533400" y="754063"/>
+            <a:ext cx="6705600" cy="3771900"/>
           </a:xfrm>
           <a:custGeom>
             <a:avLst/>
@@ -35062,6 +35062,1326 @@
   <p:cSld>
     <p:spTree>
       <p:nvGrpSpPr>
+        <p:cNvPr id="1" name="Shape 626"/>
+        <p:cNvGrpSpPr/>
+        <p:nvPr/>
+      </p:nvGrpSpPr>
+      <p:grpSpPr>
+        <a:xfrm>
+          <a:off x="0" y="0"/>
+          <a:ext cx="0" cy="0"/>
+          <a:chOff x="0" y="0"/>
+          <a:chExt cx="0" cy="0"/>
+        </a:xfrm>
+      </p:grpSpPr>
+      <p:pic>
+        <p:nvPicPr>
+          <p:cNvPr id="627" name="Google Shape;627;p10"/>
+          <p:cNvPicPr preferRelativeResize="0"/>
+          <p:nvPr/>
+        </p:nvPicPr>
+        <p:blipFill rotWithShape="1">
+          <a:blip r:embed="rId3">
+            <a:alphaModFix/>
+          </a:blip>
+          <a:srcRect/>
+          <a:stretch/>
+        </p:blipFill>
+        <p:spPr>
+          <a:xfrm>
+            <a:off x="-2880" y="0"/>
+            <a:ext cx="12196080" cy="6855840"/>
+          </a:xfrm>
+          <a:prstGeom prst="rect">
+            <a:avLst/>
+          </a:prstGeom>
+          <a:noFill/>
+          <a:ln>
+            <a:noFill/>
+          </a:ln>
+        </p:spPr>
+      </p:pic>
+      <p:sp>
+        <p:nvSpPr>
+          <p:cNvPr id="628" name="Google Shape;628;p10"/>
+          <p:cNvSpPr/>
+          <p:nvPr/>
+        </p:nvSpPr>
+        <p:spPr>
+          <a:xfrm>
+            <a:off x="265320" y="376920"/>
+            <a:ext cx="5402160" cy="424800"/>
+          </a:xfrm>
+          <a:prstGeom prst="rect">
+            <a:avLst/>
+          </a:prstGeom>
+          <a:noFill/>
+          <a:ln>
+            <a:noFill/>
+          </a:ln>
+        </p:spPr>
+        <p:txBody>
+          <a:bodyPr spcFirstLastPara="1" wrap="square" lIns="90000" tIns="45000" rIns="90000" bIns="45000" anchor="t" anchorCtr="0">
+            <a:spAutoFit/>
+          </a:bodyPr>
+          <a:lstStyle/>
+          <a:p>
+            <a:pPr marL="0" marR="0" lvl="0" indent="0" algn="l" rtl="0">
+              <a:lnSpc>
+                <a:spcPct val="100000"/>
+              </a:lnSpc>
+              <a:spcBef>
+                <a:spcPts val="0"/>
+              </a:spcBef>
+              <a:spcAft>
+                <a:spcPts val="0"/>
+              </a:spcAft>
+              <a:buClr>
+                <a:srgbClr val="000000"/>
+              </a:buClr>
+              <a:buSzPts val="2200"/>
+              <a:buFont typeface="Arial"/>
+              <a:buNone/>
+            </a:pPr>
+            <a:r>
+              <a:rPr lang="en-US" sz="2200" b="1" i="0" u="none" strike="noStrike" cap="none">
+                <a:solidFill>
+                  <a:srgbClr val="FFFFFF"/>
+                </a:solidFill>
+                <a:latin typeface="Arial"/>
+                <a:ea typeface="Arial"/>
+                <a:cs typeface="Arial"/>
+                <a:sym typeface="Arial"/>
+              </a:rPr>
+              <a:t>Informe aceptado en OSF.IO</a:t>
+            </a:r>
+            <a:endParaRPr sz="2200" b="0" i="0" u="none" strike="noStrike" cap="none">
+              <a:solidFill>
+                <a:srgbClr val="000000"/>
+              </a:solidFill>
+              <a:latin typeface="Arial"/>
+              <a:ea typeface="Arial"/>
+              <a:cs typeface="Arial"/>
+              <a:sym typeface="Arial"/>
+            </a:endParaRPr>
+          </a:p>
+        </p:txBody>
+      </p:sp>
+      <p:sp>
+        <p:nvSpPr>
+          <p:cNvPr id="629" name="Google Shape;629;p10"/>
+          <p:cNvSpPr/>
+          <p:nvPr/>
+        </p:nvSpPr>
+        <p:spPr>
+          <a:xfrm rot="10800000" flipH="1">
+            <a:off x="4321521" y="468155"/>
+            <a:ext cx="945756" cy="83916"/>
+          </a:xfrm>
+          <a:custGeom>
+            <a:avLst/>
+            <a:gdLst/>
+            <a:ahLst/>
+            <a:cxnLst/>
+            <a:rect l="l" t="t" r="r" b="b"/>
+            <a:pathLst>
+              <a:path w="21600" h="21600" extrusionOk="0">
+                <a:moveTo>
+                  <a:pt x="0" y="0"/>
+                </a:moveTo>
+                <a:lnTo>
+                  <a:pt x="21600" y="21600"/>
+                </a:lnTo>
+              </a:path>
+            </a:pathLst>
+          </a:custGeom>
+          <a:noFill/>
+          <a:ln w="76300" cap="flat" cmpd="sng">
+            <a:solidFill>
+              <a:schemeClr val="accent2"/>
+            </a:solidFill>
+            <a:prstDash val="solid"/>
+            <a:round/>
+            <a:headEnd type="none" w="sm" len="sm"/>
+            <a:tailEnd type="triangle" w="med" len="med"/>
+          </a:ln>
+        </p:spPr>
+      </p:sp>
+      <p:sp>
+        <p:nvSpPr>
+          <p:cNvPr id="630" name="Google Shape;630;p10"/>
+          <p:cNvSpPr/>
+          <p:nvPr/>
+        </p:nvSpPr>
+        <p:spPr>
+          <a:xfrm>
+            <a:off x="4971720" y="336600"/>
+            <a:ext cx="2402700" cy="302700"/>
+          </a:xfrm>
+          <a:prstGeom prst="rect">
+            <a:avLst/>
+          </a:prstGeom>
+          <a:noFill/>
+          <a:ln>
+            <a:noFill/>
+          </a:ln>
+        </p:spPr>
+        <p:txBody>
+          <a:bodyPr spcFirstLastPara="1" wrap="square" lIns="90000" tIns="45000" rIns="90000" bIns="45000" anchor="t" anchorCtr="0">
+            <a:spAutoFit/>
+          </a:bodyPr>
+          <a:lstStyle/>
+          <a:p>
+            <a:pPr marL="0" marR="0" lvl="0" indent="0" algn="ctr" rtl="0">
+              <a:lnSpc>
+                <a:spcPct val="100000"/>
+              </a:lnSpc>
+              <a:spcBef>
+                <a:spcPts val="0"/>
+              </a:spcBef>
+              <a:spcAft>
+                <a:spcPts val="0"/>
+              </a:spcAft>
+              <a:buClr>
+                <a:srgbClr val="000000"/>
+              </a:buClr>
+              <a:buSzPts val="1400"/>
+              <a:buFont typeface="Arial"/>
+              <a:buNone/>
+            </a:pPr>
+            <a:r>
+              <a:rPr lang="en-US" sz="1400" b="0" i="1" u="none" strike="noStrike" cap="none">
+                <a:solidFill>
+                  <a:schemeClr val="accent2"/>
+                </a:solidFill>
+                <a:latin typeface="Arial"/>
+                <a:ea typeface="Arial"/>
+                <a:cs typeface="Arial"/>
+                <a:sym typeface="Arial"/>
+              </a:rPr>
+              <a:t>Mantenga este título</a:t>
+            </a:r>
+            <a:endParaRPr sz="1400" b="0" i="0" u="none" strike="noStrike" cap="none">
+              <a:solidFill>
+                <a:schemeClr val="accent2"/>
+              </a:solidFill>
+              <a:latin typeface="Arial"/>
+              <a:ea typeface="Arial"/>
+              <a:cs typeface="Arial"/>
+              <a:sym typeface="Arial"/>
+            </a:endParaRPr>
+          </a:p>
+        </p:txBody>
+      </p:sp>
+      <p:sp>
+        <p:nvSpPr>
+          <p:cNvPr id="631" name="Google Shape;631;p10"/>
+          <p:cNvSpPr/>
+          <p:nvPr/>
+        </p:nvSpPr>
+        <p:spPr>
+          <a:xfrm>
+            <a:off x="2623800" y="2240875"/>
+            <a:ext cx="3649500" cy="516000"/>
+          </a:xfrm>
+          <a:prstGeom prst="rect">
+            <a:avLst/>
+          </a:prstGeom>
+          <a:noFill/>
+          <a:ln>
+            <a:noFill/>
+          </a:ln>
+        </p:spPr>
+        <p:txBody>
+          <a:bodyPr spcFirstLastPara="1" wrap="square" lIns="90000" tIns="45000" rIns="90000" bIns="45000" anchor="t" anchorCtr="0">
+            <a:spAutoFit/>
+          </a:bodyPr>
+          <a:lstStyle/>
+          <a:p>
+            <a:pPr marL="0" marR="0" lvl="0" indent="0" algn="ctr" rtl="0">
+              <a:lnSpc>
+                <a:spcPct val="100000"/>
+              </a:lnSpc>
+              <a:spcBef>
+                <a:spcPts val="0"/>
+              </a:spcBef>
+              <a:spcAft>
+                <a:spcPts val="0"/>
+              </a:spcAft>
+              <a:buClr>
+                <a:srgbClr val="000000"/>
+              </a:buClr>
+              <a:buSzPts val="1400"/>
+              <a:buFont typeface="Arial"/>
+              <a:buNone/>
+            </a:pPr>
+            <a:r>
+              <a:rPr lang="en-US" sz="1400" b="0" i="1" u="none" strike="noStrike" cap="none">
+                <a:solidFill>
+                  <a:schemeClr val="accent2"/>
+                </a:solidFill>
+                <a:latin typeface="Arial"/>
+                <a:ea typeface="Arial"/>
+                <a:cs typeface="Arial"/>
+                <a:sym typeface="Arial"/>
+              </a:rPr>
+              <a:t>Incluya la cita del informe</a:t>
+            </a:r>
+            <a:br>
+              <a:rPr lang="en-US" sz="1800" b="0" i="0" u="none" strike="noStrike" cap="none">
+                <a:solidFill>
+                  <a:schemeClr val="accent2"/>
+                </a:solidFill>
+                <a:latin typeface="Arial"/>
+                <a:ea typeface="Arial"/>
+                <a:cs typeface="Arial"/>
+                <a:sym typeface="Arial"/>
+              </a:rPr>
+            </a:br>
+            <a:r>
+              <a:rPr lang="en-US" sz="1400" b="0" i="1" u="none" strike="noStrike" cap="none">
+                <a:solidFill>
+                  <a:schemeClr val="accent2"/>
+                </a:solidFill>
+                <a:latin typeface="Arial"/>
+                <a:ea typeface="Arial"/>
+                <a:cs typeface="Arial"/>
+                <a:sym typeface="Arial"/>
+              </a:rPr>
+              <a:t>en OSF PREPRINTS y el enlace. No, no en los OSF projects, pero sí en OSF Preprints.</a:t>
+            </a:r>
+            <a:endParaRPr sz="1400" b="0" i="0" u="none" strike="noStrike" cap="none">
+              <a:solidFill>
+                <a:schemeClr val="accent2"/>
+              </a:solidFill>
+              <a:latin typeface="Arial"/>
+              <a:ea typeface="Arial"/>
+              <a:cs typeface="Arial"/>
+              <a:sym typeface="Arial"/>
+            </a:endParaRPr>
+          </a:p>
+        </p:txBody>
+      </p:sp>
+      <p:sp>
+        <p:nvSpPr>
+          <p:cNvPr id="632" name="Google Shape;632;p10"/>
+          <p:cNvSpPr/>
+          <p:nvPr/>
+        </p:nvSpPr>
+        <p:spPr>
+          <a:xfrm rot="10800000" flipH="1">
+            <a:off x="2087873" y="2693743"/>
+            <a:ext cx="618840" cy="489510"/>
+          </a:xfrm>
+          <a:custGeom>
+            <a:avLst/>
+            <a:gdLst/>
+            <a:ahLst/>
+            <a:cxnLst/>
+            <a:rect l="l" t="t" r="r" b="b"/>
+            <a:pathLst>
+              <a:path w="21600" h="21600" extrusionOk="0">
+                <a:moveTo>
+                  <a:pt x="0" y="0"/>
+                </a:moveTo>
+                <a:lnTo>
+                  <a:pt x="21600" y="21600"/>
+                </a:lnTo>
+              </a:path>
+            </a:pathLst>
+          </a:custGeom>
+          <a:noFill/>
+          <a:ln w="76300" cap="flat" cmpd="sng">
+            <a:solidFill>
+              <a:schemeClr val="accent2"/>
+            </a:solidFill>
+            <a:prstDash val="solid"/>
+            <a:round/>
+            <a:headEnd type="none" w="sm" len="sm"/>
+            <a:tailEnd type="triangle" w="med" len="med"/>
+          </a:ln>
+        </p:spPr>
+      </p:sp>
+      <p:sp>
+        <p:nvSpPr>
+          <p:cNvPr id="633" name="Google Shape;633;p10"/>
+          <p:cNvSpPr/>
+          <p:nvPr/>
+        </p:nvSpPr>
+        <p:spPr>
+          <a:xfrm>
+            <a:off x="418325" y="3107875"/>
+            <a:ext cx="6126000" cy="912600"/>
+          </a:xfrm>
+          <a:prstGeom prst="rect">
+            <a:avLst/>
+          </a:prstGeom>
+          <a:noFill/>
+          <a:ln>
+            <a:noFill/>
+          </a:ln>
+        </p:spPr>
+        <p:txBody>
+          <a:bodyPr spcFirstLastPara="1" wrap="square" lIns="90000" tIns="45000" rIns="90000" bIns="45000" anchor="t" anchorCtr="0">
+            <a:spAutoFit/>
+          </a:bodyPr>
+          <a:lstStyle/>
+          <a:p>
+            <a:pPr marL="0" marR="0" lvl="0" indent="0" algn="just" rtl="0">
+              <a:lnSpc>
+                <a:spcPct val="100000"/>
+              </a:lnSpc>
+              <a:spcBef>
+                <a:spcPts val="0"/>
+              </a:spcBef>
+              <a:spcAft>
+                <a:spcPts val="0"/>
+              </a:spcAft>
+              <a:buClr>
+                <a:srgbClr val="000000"/>
+              </a:buClr>
+              <a:buSzPts val="1800"/>
+              <a:buFont typeface="Arial"/>
+              <a:buNone/>
+            </a:pPr>
+            <a:r>
+              <a:rPr lang="en-US" sz="2200" b="0" i="0" u="none" strike="noStrike" cap="none">
+                <a:solidFill>
+                  <a:srgbClr val="001E33"/>
+                </a:solidFill>
+                <a:latin typeface="Arial"/>
+                <a:ea typeface="Arial"/>
+                <a:cs typeface="Arial"/>
+                <a:sym typeface="Arial"/>
+              </a:rPr>
+              <a:t>Julián Ramírez, Andrés Salazar, Simón Marín, Mauricio Toro. </a:t>
+            </a:r>
+            <a:r>
+              <a:rPr lang="en-US" sz="2200">
+                <a:solidFill>
+                  <a:srgbClr val="001E33"/>
+                </a:solidFill>
+              </a:rPr>
+              <a:t>Energy and Storage Optimization in Precision Livestock Farming</a:t>
+            </a:r>
+            <a:r>
+              <a:rPr lang="en-US" sz="2200" b="0" i="0" u="none" strike="noStrike" cap="none">
+                <a:solidFill>
+                  <a:srgbClr val="001E33"/>
+                </a:solidFill>
+                <a:latin typeface="Arial"/>
+                <a:ea typeface="Arial"/>
+                <a:cs typeface="Arial"/>
+                <a:sym typeface="Arial"/>
+              </a:rPr>
+              <a:t>. Informe técnico, Universidad EAFIT, 2021. https://doi.org/10.31219/osf.io/du8yt</a:t>
+            </a:r>
+            <a:endParaRPr sz="2200" b="0" i="0" u="none" strike="noStrike" cap="none">
+              <a:solidFill>
+                <a:srgbClr val="001E33"/>
+              </a:solidFill>
+              <a:latin typeface="Arial"/>
+              <a:ea typeface="Arial"/>
+              <a:cs typeface="Arial"/>
+              <a:sym typeface="Arial"/>
+            </a:endParaRPr>
+          </a:p>
+        </p:txBody>
+      </p:sp>
+      <p:sp>
+        <p:nvSpPr>
+          <p:cNvPr id="634" name="Google Shape;634;p10"/>
+          <p:cNvSpPr/>
+          <p:nvPr/>
+        </p:nvSpPr>
+        <p:spPr>
+          <a:xfrm>
+            <a:off x="2640426" y="5215875"/>
+            <a:ext cx="3508800" cy="516000"/>
+          </a:xfrm>
+          <a:prstGeom prst="rect">
+            <a:avLst/>
+          </a:prstGeom>
+          <a:noFill/>
+          <a:ln>
+            <a:noFill/>
+          </a:ln>
+        </p:spPr>
+        <p:txBody>
+          <a:bodyPr spcFirstLastPara="1" wrap="square" lIns="90000" tIns="45000" rIns="90000" bIns="45000" anchor="t" anchorCtr="0">
+            <a:spAutoFit/>
+          </a:bodyPr>
+          <a:lstStyle/>
+          <a:p>
+            <a:pPr marL="0" marR="0" lvl="0" indent="0" algn="ctr" rtl="0">
+              <a:lnSpc>
+                <a:spcPct val="100000"/>
+              </a:lnSpc>
+              <a:spcBef>
+                <a:spcPts val="0"/>
+              </a:spcBef>
+              <a:spcAft>
+                <a:spcPts val="0"/>
+              </a:spcAft>
+              <a:buClr>
+                <a:srgbClr val="000000"/>
+              </a:buClr>
+              <a:buSzPts val="1400"/>
+              <a:buFont typeface="Arial"/>
+              <a:buNone/>
+            </a:pPr>
+            <a:r>
+              <a:rPr lang="en-US" sz="1400" b="0" i="1" u="none" strike="noStrike" cap="none">
+                <a:solidFill>
+                  <a:schemeClr val="accent2"/>
+                </a:solidFill>
+                <a:latin typeface="Arial"/>
+                <a:ea typeface="Arial"/>
+                <a:cs typeface="Arial"/>
+                <a:sym typeface="Arial"/>
+              </a:rPr>
+              <a:t>Incluya una captura de pantalla de su informe publicado en osf.io y elimine el círculo</a:t>
+            </a:r>
+            <a:endParaRPr sz="1400" b="0" i="0" u="none" strike="noStrike" cap="none">
+              <a:solidFill>
+                <a:schemeClr val="accent2"/>
+              </a:solidFill>
+              <a:latin typeface="Arial"/>
+              <a:ea typeface="Arial"/>
+              <a:cs typeface="Arial"/>
+              <a:sym typeface="Arial"/>
+            </a:endParaRPr>
+          </a:p>
+        </p:txBody>
+      </p:sp>
+      <p:sp>
+        <p:nvSpPr>
+          <p:cNvPr id="635" name="Google Shape;635;p10"/>
+          <p:cNvSpPr/>
+          <p:nvPr/>
+        </p:nvSpPr>
+        <p:spPr>
+          <a:xfrm>
+            <a:off x="8229600" y="124200"/>
+            <a:ext cx="2114640" cy="515880"/>
+          </a:xfrm>
+          <a:prstGeom prst="rect">
+            <a:avLst/>
+          </a:prstGeom>
+          <a:noFill/>
+          <a:ln>
+            <a:noFill/>
+          </a:ln>
+        </p:spPr>
+        <p:txBody>
+          <a:bodyPr spcFirstLastPara="1" wrap="square" lIns="90000" tIns="45000" rIns="90000" bIns="45000" anchor="t" anchorCtr="0">
+            <a:spAutoFit/>
+          </a:bodyPr>
+          <a:lstStyle/>
+          <a:p>
+            <a:pPr marL="0" marR="0" lvl="0" indent="0" algn="ctr" rtl="0">
+              <a:lnSpc>
+                <a:spcPct val="100000"/>
+              </a:lnSpc>
+              <a:spcBef>
+                <a:spcPts val="0"/>
+              </a:spcBef>
+              <a:spcAft>
+                <a:spcPts val="0"/>
+              </a:spcAft>
+              <a:buClr>
+                <a:srgbClr val="000000"/>
+              </a:buClr>
+              <a:buSzPts val="1400"/>
+              <a:buFont typeface="Arial"/>
+              <a:buNone/>
+            </a:pPr>
+            <a:r>
+              <a:rPr lang="en-US" sz="1400" b="0" i="1" u="none" strike="noStrike" cap="none">
+                <a:solidFill>
+                  <a:schemeClr val="accent2"/>
+                </a:solidFill>
+                <a:latin typeface="Arial"/>
+                <a:ea typeface="Arial"/>
+                <a:cs typeface="Arial"/>
+                <a:sym typeface="Arial"/>
+              </a:rPr>
+              <a:t>Complete esta diapositiva</a:t>
+            </a:r>
+            <a:endParaRPr sz="1400" b="0" i="0" u="none" strike="noStrike" cap="none">
+              <a:solidFill>
+                <a:schemeClr val="accent2"/>
+              </a:solidFill>
+              <a:latin typeface="Arial"/>
+              <a:ea typeface="Arial"/>
+              <a:cs typeface="Arial"/>
+              <a:sym typeface="Arial"/>
+            </a:endParaRPr>
+          </a:p>
+          <a:p>
+            <a:pPr marL="0" marR="0" lvl="0" indent="0" algn="ctr" rtl="0">
+              <a:lnSpc>
+                <a:spcPct val="100000"/>
+              </a:lnSpc>
+              <a:spcBef>
+                <a:spcPts val="0"/>
+              </a:spcBef>
+              <a:spcAft>
+                <a:spcPts val="0"/>
+              </a:spcAft>
+              <a:buClr>
+                <a:srgbClr val="000000"/>
+              </a:buClr>
+              <a:buSzPts val="1400"/>
+              <a:buFont typeface="Arial"/>
+              <a:buNone/>
+            </a:pPr>
+            <a:r>
+              <a:rPr lang="en-US" sz="1400" b="0" i="1" u="none" strike="noStrike" cap="none">
+                <a:solidFill>
+                  <a:schemeClr val="accent2"/>
+                </a:solidFill>
+                <a:latin typeface="Arial"/>
+                <a:ea typeface="Arial"/>
+                <a:cs typeface="Arial"/>
+                <a:sym typeface="Arial"/>
+              </a:rPr>
+              <a:t>Para la tercera entrega</a:t>
+            </a:r>
+            <a:endParaRPr sz="1400" b="0" i="0" u="none" strike="noStrike" cap="none">
+              <a:solidFill>
+                <a:schemeClr val="accent2"/>
+              </a:solidFill>
+              <a:latin typeface="Arial"/>
+              <a:ea typeface="Arial"/>
+              <a:cs typeface="Arial"/>
+              <a:sym typeface="Arial"/>
+            </a:endParaRPr>
+          </a:p>
+        </p:txBody>
+      </p:sp>
+      <p:sp>
+        <p:nvSpPr>
+          <p:cNvPr id="636" name="Google Shape;636;p10"/>
+          <p:cNvSpPr/>
+          <p:nvPr/>
+        </p:nvSpPr>
+        <p:spPr>
+          <a:xfrm>
+            <a:off x="548240" y="959495"/>
+            <a:ext cx="2114700" cy="516000"/>
+          </a:xfrm>
+          <a:prstGeom prst="rect">
+            <a:avLst/>
+          </a:prstGeom>
+          <a:noFill/>
+          <a:ln>
+            <a:noFill/>
+          </a:ln>
+        </p:spPr>
+        <p:txBody>
+          <a:bodyPr spcFirstLastPara="1" wrap="square" lIns="90000" tIns="45000" rIns="90000" bIns="45000" anchor="t" anchorCtr="0">
+            <a:noAutofit/>
+          </a:bodyPr>
+          <a:lstStyle/>
+          <a:p>
+            <a:pPr marL="0" marR="0" lvl="0" indent="0" algn="ctr" rtl="0">
+              <a:lnSpc>
+                <a:spcPct val="100000"/>
+              </a:lnSpc>
+              <a:spcBef>
+                <a:spcPts val="0"/>
+              </a:spcBef>
+              <a:spcAft>
+                <a:spcPts val="0"/>
+              </a:spcAft>
+              <a:buClr>
+                <a:srgbClr val="000000"/>
+              </a:buClr>
+              <a:buSzPts val="1400"/>
+              <a:buFont typeface="Arial"/>
+              <a:buNone/>
+            </a:pPr>
+            <a:r>
+              <a:rPr lang="en-US" sz="1400" b="0" i="1" u="none" strike="noStrike" cap="none">
+                <a:solidFill>
+                  <a:schemeClr val="accent2"/>
+                </a:solidFill>
+                <a:latin typeface="Arial"/>
+                <a:ea typeface="Arial"/>
+                <a:cs typeface="Arial"/>
+                <a:sym typeface="Arial"/>
+              </a:rPr>
+              <a:t>NO utilizar el color rojo en las diapositivas</a:t>
+            </a:r>
+            <a:endParaRPr sz="1400" b="0" i="0" u="none" strike="noStrike" cap="none">
+              <a:solidFill>
+                <a:schemeClr val="accent2"/>
+              </a:solidFill>
+              <a:latin typeface="Arial"/>
+              <a:ea typeface="Arial"/>
+              <a:cs typeface="Arial"/>
+              <a:sym typeface="Arial"/>
+            </a:endParaRPr>
+          </a:p>
+        </p:txBody>
+      </p:sp>
+      <p:sp>
+        <p:nvSpPr>
+          <p:cNvPr id="637" name="Google Shape;637;p10"/>
+          <p:cNvSpPr/>
+          <p:nvPr/>
+        </p:nvSpPr>
+        <p:spPr>
+          <a:xfrm flipH="1">
+            <a:off x="7405536" y="5261857"/>
+            <a:ext cx="530658" cy="833058"/>
+          </a:xfrm>
+          <a:custGeom>
+            <a:avLst/>
+            <a:gdLst/>
+            <a:ahLst/>
+            <a:cxnLst/>
+            <a:rect l="l" t="t" r="r" b="b"/>
+            <a:pathLst>
+              <a:path w="21600" h="21600" extrusionOk="0">
+                <a:moveTo>
+                  <a:pt x="0" y="0"/>
+                </a:moveTo>
+                <a:lnTo>
+                  <a:pt x="21600" y="21600"/>
+                </a:lnTo>
+              </a:path>
+            </a:pathLst>
+          </a:custGeom>
+          <a:noFill/>
+          <a:ln w="76300" cap="flat" cmpd="sng">
+            <a:solidFill>
+              <a:schemeClr val="accent2"/>
+            </a:solidFill>
+            <a:prstDash val="solid"/>
+            <a:round/>
+            <a:headEnd type="none" w="sm" len="sm"/>
+            <a:tailEnd type="triangle" w="med" len="med"/>
+          </a:ln>
+        </p:spPr>
+      </p:sp>
+      <p:sp>
+        <p:nvSpPr>
+          <p:cNvPr id="638" name="Google Shape;638;p10"/>
+          <p:cNvSpPr/>
+          <p:nvPr/>
+        </p:nvSpPr>
+        <p:spPr>
+          <a:xfrm>
+            <a:off x="5509326" y="6128750"/>
+            <a:ext cx="3425400" cy="516000"/>
+          </a:xfrm>
+          <a:prstGeom prst="rect">
+            <a:avLst/>
+          </a:prstGeom>
+          <a:noFill/>
+          <a:ln>
+            <a:noFill/>
+          </a:ln>
+        </p:spPr>
+        <p:txBody>
+          <a:bodyPr spcFirstLastPara="1" wrap="square" lIns="90000" tIns="45000" rIns="90000" bIns="45000" anchor="t" anchorCtr="0">
+            <a:noAutofit/>
+          </a:bodyPr>
+          <a:lstStyle/>
+          <a:p>
+            <a:pPr marL="0" marR="0" lvl="0" indent="0" algn="ctr" rtl="0">
+              <a:lnSpc>
+                <a:spcPct val="100000"/>
+              </a:lnSpc>
+              <a:spcBef>
+                <a:spcPts val="0"/>
+              </a:spcBef>
+              <a:spcAft>
+                <a:spcPts val="0"/>
+              </a:spcAft>
+              <a:buClr>
+                <a:srgbClr val="000000"/>
+              </a:buClr>
+              <a:buSzPts val="1400"/>
+              <a:buFont typeface="Arial"/>
+              <a:buNone/>
+            </a:pPr>
+            <a:r>
+              <a:rPr lang="en-US" sz="1400" b="0" i="1" u="none" strike="noStrike" cap="none">
+                <a:solidFill>
+                  <a:schemeClr val="accent2"/>
+                </a:solidFill>
+                <a:latin typeface="Arial"/>
+                <a:ea typeface="Arial"/>
+                <a:cs typeface="Arial"/>
+                <a:sym typeface="Arial"/>
+              </a:rPr>
+              <a:t>Incluya a los </a:t>
+            </a:r>
+            <a:r>
+              <a:rPr lang="en-US" i="1">
+                <a:solidFill>
+                  <a:schemeClr val="accent2"/>
+                </a:solidFill>
+              </a:rPr>
+              <a:t>monitores </a:t>
+            </a:r>
+            <a:r>
+              <a:rPr lang="en-US" sz="1400" b="0" i="1" u="none" strike="noStrike" cap="none">
+                <a:solidFill>
+                  <a:schemeClr val="accent2"/>
+                </a:solidFill>
+                <a:latin typeface="Arial"/>
+                <a:ea typeface="Arial"/>
+                <a:cs typeface="Arial"/>
+                <a:sym typeface="Arial"/>
+              </a:rPr>
+              <a:t>y al profesores entre los autores, por favor</a:t>
+            </a:r>
+            <a:endParaRPr sz="1400" b="0" i="0" u="none" strike="noStrike" cap="none">
+              <a:solidFill>
+                <a:schemeClr val="accent2"/>
+              </a:solidFill>
+              <a:latin typeface="Arial"/>
+              <a:ea typeface="Arial"/>
+              <a:cs typeface="Arial"/>
+              <a:sym typeface="Arial"/>
+            </a:endParaRPr>
+          </a:p>
+        </p:txBody>
+      </p:sp>
+      <p:pic>
+        <p:nvPicPr>
+          <p:cNvPr id="639" name="Google Shape;639;p10"/>
+          <p:cNvPicPr preferRelativeResize="0"/>
+          <p:nvPr/>
+        </p:nvPicPr>
+        <p:blipFill rotWithShape="1">
+          <a:blip r:embed="rId4">
+            <a:alphaModFix/>
+          </a:blip>
+          <a:srcRect/>
+          <a:stretch/>
+        </p:blipFill>
+        <p:spPr>
+          <a:xfrm>
+            <a:off x="6431576" y="1829064"/>
+            <a:ext cx="5550945" cy="3615400"/>
+          </a:xfrm>
+          <a:prstGeom prst="rect">
+            <a:avLst/>
+          </a:prstGeom>
+          <a:noFill/>
+          <a:ln>
+            <a:noFill/>
+          </a:ln>
+        </p:spPr>
+      </p:pic>
+      <p:sp>
+        <p:nvSpPr>
+          <p:cNvPr id="640" name="Google Shape;640;p10"/>
+          <p:cNvSpPr/>
+          <p:nvPr/>
+        </p:nvSpPr>
+        <p:spPr>
+          <a:xfrm flipH="1">
+            <a:off x="5920511" y="4581882"/>
+            <a:ext cx="530658" cy="833058"/>
+          </a:xfrm>
+          <a:custGeom>
+            <a:avLst/>
+            <a:gdLst/>
+            <a:ahLst/>
+            <a:cxnLst/>
+            <a:rect l="l" t="t" r="r" b="b"/>
+            <a:pathLst>
+              <a:path w="21600" h="21600" extrusionOk="0">
+                <a:moveTo>
+                  <a:pt x="0" y="0"/>
+                </a:moveTo>
+                <a:lnTo>
+                  <a:pt x="21600" y="21600"/>
+                </a:lnTo>
+              </a:path>
+            </a:pathLst>
+          </a:custGeom>
+          <a:noFill/>
+          <a:ln w="76300" cap="flat" cmpd="sng">
+            <a:solidFill>
+              <a:schemeClr val="accent2"/>
+            </a:solidFill>
+            <a:prstDash val="solid"/>
+            <a:round/>
+            <a:headEnd type="none" w="sm" len="sm"/>
+            <a:tailEnd type="triangle" w="med" len="med"/>
+          </a:ln>
+        </p:spPr>
+      </p:sp>
+      <p:sp>
+        <p:nvSpPr>
+          <p:cNvPr id="641" name="Google Shape;641;p10"/>
+          <p:cNvSpPr txBox="1"/>
+          <p:nvPr/>
+        </p:nvSpPr>
+        <p:spPr>
+          <a:xfrm>
+            <a:off x="926000" y="6046350"/>
+            <a:ext cx="3000000" cy="615600"/>
+          </a:xfrm>
+          <a:prstGeom prst="rect">
+            <a:avLst/>
+          </a:prstGeom>
+          <a:noFill/>
+          <a:ln>
+            <a:noFill/>
+          </a:ln>
+        </p:spPr>
+        <p:txBody>
+          <a:bodyPr spcFirstLastPara="1" wrap="square" lIns="91425" tIns="91425" rIns="91425" bIns="91425" anchor="t" anchorCtr="0">
+            <a:spAutoFit/>
+          </a:bodyPr>
+          <a:lstStyle/>
+          <a:p>
+            <a:pPr marL="0" marR="0" lvl="0" indent="0" algn="ctr" rtl="0">
+              <a:lnSpc>
+                <a:spcPct val="100000"/>
+              </a:lnSpc>
+              <a:spcBef>
+                <a:spcPts val="0"/>
+              </a:spcBef>
+              <a:spcAft>
+                <a:spcPts val="0"/>
+              </a:spcAft>
+              <a:buClr>
+                <a:srgbClr val="000000"/>
+              </a:buClr>
+              <a:buSzPts val="1400"/>
+              <a:buFont typeface="Arial"/>
+              <a:buNone/>
+            </a:pPr>
+            <a:r>
+              <a:rPr lang="en-US" sz="1400" b="0" i="1" u="none" strike="noStrike" cap="none">
+                <a:solidFill>
+                  <a:schemeClr val="accent2"/>
+                </a:solidFill>
+                <a:latin typeface="Arial"/>
+                <a:ea typeface="Arial"/>
+                <a:cs typeface="Arial"/>
+                <a:sym typeface="Arial"/>
+              </a:rPr>
+              <a:t>El tamaño de la letra debe ser de al menos 22 puntos</a:t>
+            </a:r>
+            <a:endParaRPr sz="1400" b="1" i="0" u="none" strike="noStrike" cap="none">
+              <a:solidFill>
+                <a:schemeClr val="accent2"/>
+              </a:solidFill>
+              <a:latin typeface="Arial"/>
+              <a:ea typeface="Arial"/>
+              <a:cs typeface="Arial"/>
+              <a:sym typeface="Arial"/>
+            </a:endParaRPr>
+          </a:p>
+        </p:txBody>
+      </p:sp>
+      <p:sp>
+        <p:nvSpPr>
+          <p:cNvPr id="642" name="Google Shape;642;p10"/>
+          <p:cNvSpPr/>
+          <p:nvPr/>
+        </p:nvSpPr>
+        <p:spPr>
+          <a:xfrm>
+            <a:off x="4321529" y="1057400"/>
+            <a:ext cx="2932500" cy="516000"/>
+          </a:xfrm>
+          <a:prstGeom prst="rect">
+            <a:avLst/>
+          </a:prstGeom>
+          <a:noFill/>
+          <a:ln>
+            <a:noFill/>
+          </a:ln>
+        </p:spPr>
+        <p:txBody>
+          <a:bodyPr spcFirstLastPara="1" wrap="square" lIns="90000" tIns="45000" rIns="90000" bIns="45000" anchor="t" anchorCtr="0">
+            <a:noAutofit/>
+          </a:bodyPr>
+          <a:lstStyle/>
+          <a:p>
+            <a:pPr marL="0" marR="0" lvl="0" indent="0" algn="ctr" rtl="0">
+              <a:lnSpc>
+                <a:spcPct val="100000"/>
+              </a:lnSpc>
+              <a:spcBef>
+                <a:spcPts val="0"/>
+              </a:spcBef>
+              <a:spcAft>
+                <a:spcPts val="0"/>
+              </a:spcAft>
+              <a:buClr>
+                <a:srgbClr val="000000"/>
+              </a:buClr>
+              <a:buSzPts val="1400"/>
+              <a:buFont typeface="Arial"/>
+              <a:buNone/>
+            </a:pPr>
+            <a:r>
+              <a:rPr lang="en-US" sz="1400" b="0" i="1" u="none" strike="noStrike" cap="none">
+                <a:solidFill>
+                  <a:schemeClr val="accent2"/>
+                </a:solidFill>
+                <a:latin typeface="Arial"/>
+                <a:ea typeface="Arial"/>
+                <a:cs typeface="Arial"/>
+                <a:sym typeface="Arial"/>
+              </a:rPr>
+              <a:t>Elimine esta diapositiva si su informe no fue presentado a OSF</a:t>
+            </a:r>
+            <a:endParaRPr sz="1400" b="0" i="0" u="none" strike="noStrike" cap="none">
+              <a:solidFill>
+                <a:schemeClr val="accent2"/>
+              </a:solidFill>
+              <a:latin typeface="Arial"/>
+              <a:ea typeface="Arial"/>
+              <a:cs typeface="Arial"/>
+              <a:sym typeface="Arial"/>
+            </a:endParaRPr>
+          </a:p>
+        </p:txBody>
+      </p:sp>
+      <p:sp>
+        <p:nvSpPr>
+          <p:cNvPr id="643" name="Google Shape;643;p10"/>
+          <p:cNvSpPr/>
+          <p:nvPr/>
+        </p:nvSpPr>
+        <p:spPr>
+          <a:xfrm rot="9395086" flipH="1">
+            <a:off x="716280" y="2541321"/>
+            <a:ext cx="618825" cy="489528"/>
+          </a:xfrm>
+          <a:custGeom>
+            <a:avLst/>
+            <a:gdLst/>
+            <a:ahLst/>
+            <a:cxnLst/>
+            <a:rect l="l" t="t" r="r" b="b"/>
+            <a:pathLst>
+              <a:path w="21600" h="21600" extrusionOk="0">
+                <a:moveTo>
+                  <a:pt x="0" y="0"/>
+                </a:moveTo>
+                <a:lnTo>
+                  <a:pt x="21600" y="21600"/>
+                </a:lnTo>
+              </a:path>
+            </a:pathLst>
+          </a:custGeom>
+          <a:noFill/>
+          <a:ln w="76300" cap="flat" cmpd="sng">
+            <a:solidFill>
+              <a:schemeClr val="accent2"/>
+            </a:solidFill>
+            <a:prstDash val="solid"/>
+            <a:round/>
+            <a:headEnd type="none" w="sm" len="sm"/>
+            <a:tailEnd type="triangle" w="med" len="med"/>
+          </a:ln>
+        </p:spPr>
+      </p:sp>
+      <p:sp>
+        <p:nvSpPr>
+          <p:cNvPr id="644" name="Google Shape;644;p10"/>
+          <p:cNvSpPr/>
+          <p:nvPr/>
+        </p:nvSpPr>
+        <p:spPr>
+          <a:xfrm>
+            <a:off x="121679" y="1940925"/>
+            <a:ext cx="2932500" cy="516000"/>
+          </a:xfrm>
+          <a:prstGeom prst="rect">
+            <a:avLst/>
+          </a:prstGeom>
+          <a:noFill/>
+          <a:ln>
+            <a:noFill/>
+          </a:ln>
+        </p:spPr>
+        <p:txBody>
+          <a:bodyPr spcFirstLastPara="1" wrap="square" lIns="90000" tIns="45000" rIns="90000" bIns="45000" anchor="t" anchorCtr="0">
+            <a:noAutofit/>
+          </a:bodyPr>
+          <a:lstStyle/>
+          <a:p>
+            <a:pPr marL="0" marR="0" lvl="0" indent="0" algn="ctr" rtl="0">
+              <a:lnSpc>
+                <a:spcPct val="100000"/>
+              </a:lnSpc>
+              <a:spcBef>
+                <a:spcPts val="0"/>
+              </a:spcBef>
+              <a:spcAft>
+                <a:spcPts val="0"/>
+              </a:spcAft>
+              <a:buClr>
+                <a:srgbClr val="000000"/>
+              </a:buClr>
+              <a:buSzPts val="1400"/>
+              <a:buFont typeface="Arial"/>
+              <a:buNone/>
+            </a:pPr>
+            <a:r>
+              <a:rPr lang="en-US" sz="1400" b="0" i="1" u="none" strike="noStrike" cap="none">
+                <a:solidFill>
+                  <a:schemeClr val="accent2"/>
+                </a:solidFill>
+                <a:latin typeface="Arial"/>
+                <a:ea typeface="Arial"/>
+                <a:cs typeface="Arial"/>
+                <a:sym typeface="Arial"/>
+              </a:rPr>
+              <a:t>Este es un ejemplo de citación </a:t>
+            </a:r>
+            <a:br>
+              <a:rPr lang="en-US" sz="1400" b="0" i="1" u="none" strike="noStrike" cap="none">
+                <a:solidFill>
+                  <a:schemeClr val="accent2"/>
+                </a:solidFill>
+                <a:latin typeface="Arial"/>
+                <a:ea typeface="Arial"/>
+                <a:cs typeface="Arial"/>
+                <a:sym typeface="Arial"/>
+              </a:rPr>
+            </a:br>
+            <a:r>
+              <a:rPr lang="en-US" sz="1400" b="0" i="1" u="none" strike="noStrike" cap="none">
+                <a:solidFill>
+                  <a:schemeClr val="accent2"/>
+                </a:solidFill>
+                <a:latin typeface="Arial"/>
+                <a:ea typeface="Arial"/>
+                <a:cs typeface="Arial"/>
+                <a:sym typeface="Arial"/>
+              </a:rPr>
+              <a:t>de un informe anterior</a:t>
+            </a:r>
+            <a:endParaRPr sz="1400" b="0" i="0" u="none" strike="noStrike" cap="none">
+              <a:solidFill>
+                <a:schemeClr val="accent2"/>
+              </a:solidFill>
+              <a:latin typeface="Arial"/>
+              <a:ea typeface="Arial"/>
+              <a:cs typeface="Arial"/>
+              <a:sym typeface="Arial"/>
+            </a:endParaRPr>
+          </a:p>
+        </p:txBody>
+      </p:sp>
+      <p:sp>
+        <p:nvSpPr>
+          <p:cNvPr id="645" name="Google Shape;645;p10"/>
+          <p:cNvSpPr/>
+          <p:nvPr/>
+        </p:nvSpPr>
+        <p:spPr>
+          <a:xfrm rot="9395086" flipH="1">
+            <a:off x="8474505" y="1542496"/>
+            <a:ext cx="618825" cy="489528"/>
+          </a:xfrm>
+          <a:custGeom>
+            <a:avLst/>
+            <a:gdLst/>
+            <a:ahLst/>
+            <a:cxnLst/>
+            <a:rect l="l" t="t" r="r" b="b"/>
+            <a:pathLst>
+              <a:path w="21600" h="21600" extrusionOk="0">
+                <a:moveTo>
+                  <a:pt x="0" y="0"/>
+                </a:moveTo>
+                <a:lnTo>
+                  <a:pt x="21600" y="21600"/>
+                </a:lnTo>
+              </a:path>
+            </a:pathLst>
+          </a:custGeom>
+          <a:noFill/>
+          <a:ln w="76300" cap="flat" cmpd="sng">
+            <a:solidFill>
+              <a:schemeClr val="accent2"/>
+            </a:solidFill>
+            <a:prstDash val="solid"/>
+            <a:round/>
+            <a:headEnd type="none" w="sm" len="sm"/>
+            <a:tailEnd type="triangle" w="med" len="med"/>
+          </a:ln>
+        </p:spPr>
+      </p:sp>
+      <p:sp>
+        <p:nvSpPr>
+          <p:cNvPr id="646" name="Google Shape;646;p10"/>
+          <p:cNvSpPr/>
+          <p:nvPr/>
+        </p:nvSpPr>
+        <p:spPr>
+          <a:xfrm>
+            <a:off x="8413304" y="942100"/>
+            <a:ext cx="2932500" cy="516000"/>
+          </a:xfrm>
+          <a:prstGeom prst="rect">
+            <a:avLst/>
+          </a:prstGeom>
+          <a:noFill/>
+          <a:ln>
+            <a:noFill/>
+          </a:ln>
+        </p:spPr>
+        <p:txBody>
+          <a:bodyPr spcFirstLastPara="1" wrap="square" lIns="90000" tIns="45000" rIns="90000" bIns="45000" anchor="t" anchorCtr="0">
+            <a:noAutofit/>
+          </a:bodyPr>
+          <a:lstStyle/>
+          <a:p>
+            <a:pPr marL="0" marR="0" lvl="0" indent="0" algn="ctr" rtl="0">
+              <a:lnSpc>
+                <a:spcPct val="100000"/>
+              </a:lnSpc>
+              <a:spcBef>
+                <a:spcPts val="0"/>
+              </a:spcBef>
+              <a:spcAft>
+                <a:spcPts val="0"/>
+              </a:spcAft>
+              <a:buClr>
+                <a:srgbClr val="000000"/>
+              </a:buClr>
+              <a:buSzPts val="1400"/>
+              <a:buFont typeface="Arial"/>
+              <a:buNone/>
+            </a:pPr>
+            <a:r>
+              <a:rPr lang="en-US" sz="1400" b="0" i="1" u="none" strike="noStrike" cap="none">
+                <a:solidFill>
+                  <a:schemeClr val="accent2"/>
+                </a:solidFill>
+                <a:latin typeface="Arial"/>
+                <a:ea typeface="Arial"/>
+                <a:cs typeface="Arial"/>
+                <a:sym typeface="Arial"/>
+              </a:rPr>
+              <a:t>Este es un ejemplo de captura de pantalla </a:t>
+            </a:r>
+            <a:br>
+              <a:rPr lang="en-US" sz="1400" b="0" i="1" u="none" strike="noStrike" cap="none">
+                <a:solidFill>
+                  <a:schemeClr val="accent2"/>
+                </a:solidFill>
+                <a:latin typeface="Arial"/>
+                <a:ea typeface="Arial"/>
+                <a:cs typeface="Arial"/>
+                <a:sym typeface="Arial"/>
+              </a:rPr>
+            </a:br>
+            <a:r>
+              <a:rPr lang="en-US" sz="1400" b="0" i="1" u="none" strike="noStrike" cap="none">
+                <a:solidFill>
+                  <a:schemeClr val="accent2"/>
+                </a:solidFill>
+                <a:latin typeface="Arial"/>
+                <a:ea typeface="Arial"/>
+                <a:cs typeface="Arial"/>
+                <a:sym typeface="Arial"/>
+              </a:rPr>
+              <a:t>de un informe anterior</a:t>
+            </a:r>
+            <a:endParaRPr sz="1400" b="0" i="0" u="none" strike="noStrike" cap="none">
+              <a:solidFill>
+                <a:schemeClr val="accent2"/>
+              </a:solidFill>
+              <a:latin typeface="Arial"/>
+              <a:ea typeface="Arial"/>
+              <a:cs typeface="Arial"/>
+              <a:sym typeface="Arial"/>
+            </a:endParaRPr>
+          </a:p>
+        </p:txBody>
+      </p:sp>
+      <p:sp>
+        <p:nvSpPr>
+          <p:cNvPr id="647" name="Google Shape;647;p10"/>
+          <p:cNvSpPr/>
+          <p:nvPr/>
+        </p:nvSpPr>
+        <p:spPr>
+          <a:xfrm>
+            <a:off x="6751675" y="1710075"/>
+            <a:ext cx="1339800" cy="424800"/>
+          </a:xfrm>
+          <a:prstGeom prst="ellipse">
+            <a:avLst/>
+          </a:prstGeom>
+          <a:noFill/>
+          <a:ln w="19050" cap="flat" cmpd="sng">
+            <a:solidFill>
+              <a:srgbClr val="ED7D31"/>
+            </a:solidFill>
+            <a:prstDash val="solid"/>
+            <a:round/>
+            <a:headEnd type="none" w="sm" len="sm"/>
+            <a:tailEnd type="none" w="sm" len="sm"/>
+          </a:ln>
+        </p:spPr>
+        <p:txBody>
+          <a:bodyPr spcFirstLastPara="1" wrap="square" lIns="91425" tIns="91425" rIns="91425" bIns="91425" anchor="t" anchorCtr="0">
+            <a:noAutofit/>
+          </a:bodyPr>
+          <a:lstStyle/>
+          <a:p>
+            <a:pPr marL="0" marR="0" lvl="0" indent="0" algn="l" rtl="0">
+              <a:lnSpc>
+                <a:spcPct val="100000"/>
+              </a:lnSpc>
+              <a:spcBef>
+                <a:spcPts val="0"/>
+              </a:spcBef>
+              <a:spcAft>
+                <a:spcPts val="0"/>
+              </a:spcAft>
+              <a:buClr>
+                <a:srgbClr val="000000"/>
+              </a:buClr>
+              <a:buSzPts val="1400"/>
+              <a:buFont typeface="Arial"/>
+              <a:buNone/>
+            </a:pPr>
+            <a:endParaRPr sz="1400" b="0" i="0" u="none" strike="noStrike" cap="none">
+              <a:solidFill>
+                <a:srgbClr val="000000"/>
+              </a:solidFill>
+              <a:latin typeface="Arial"/>
+              <a:ea typeface="Arial"/>
+              <a:cs typeface="Arial"/>
+              <a:sym typeface="Arial"/>
+            </a:endParaRPr>
+          </a:p>
+        </p:txBody>
+      </p:sp>
+    </p:spTree>
+  </p:cSld>
+  <p:clrMapOvr>
+    <a:masterClrMapping/>
+  </p:clrMapOvr>
+</p:sld>
+</file>
+
+<file path=ppt/slides/slide12.xml><?xml version="1.0" encoding="utf-8"?>
+<p:sld xmlns:a="http://schemas.openxmlformats.org/drawingml/2006/main" xmlns:r="http://schemas.openxmlformats.org/officeDocument/2006/relationships" xmlns:p="http://schemas.openxmlformats.org/presentationml/2006/main">
+  <p:cSld>
+    <p:spTree>
+      <p:nvGrpSpPr>
         <p:cNvPr id="1" name="Shape 561"/>
         <p:cNvGrpSpPr/>
         <p:nvPr/>
@@ -38623,1326 +39943,6 @@
 </p:sld>
 </file>
 
-<file path=ppt/slides/slide12.xml><?xml version="1.0" encoding="utf-8"?>
-<p:sld xmlns:a="http://schemas.openxmlformats.org/drawingml/2006/main" xmlns:r="http://schemas.openxmlformats.org/officeDocument/2006/relationships" xmlns:p="http://schemas.openxmlformats.org/presentationml/2006/main">
-  <p:cSld>
-    <p:spTree>
-      <p:nvGrpSpPr>
-        <p:cNvPr id="1" name="Shape 626"/>
-        <p:cNvGrpSpPr/>
-        <p:nvPr/>
-      </p:nvGrpSpPr>
-      <p:grpSpPr>
-        <a:xfrm>
-          <a:off x="0" y="0"/>
-          <a:ext cx="0" cy="0"/>
-          <a:chOff x="0" y="0"/>
-          <a:chExt cx="0" cy="0"/>
-        </a:xfrm>
-      </p:grpSpPr>
-      <p:pic>
-        <p:nvPicPr>
-          <p:cNvPr id="627" name="Google Shape;627;p10"/>
-          <p:cNvPicPr preferRelativeResize="0"/>
-          <p:nvPr/>
-        </p:nvPicPr>
-        <p:blipFill rotWithShape="1">
-          <a:blip r:embed="rId3">
-            <a:alphaModFix/>
-          </a:blip>
-          <a:srcRect/>
-          <a:stretch/>
-        </p:blipFill>
-        <p:spPr>
-          <a:xfrm>
-            <a:off x="-2880" y="0"/>
-            <a:ext cx="12196080" cy="6855840"/>
-          </a:xfrm>
-          <a:prstGeom prst="rect">
-            <a:avLst/>
-          </a:prstGeom>
-          <a:noFill/>
-          <a:ln>
-            <a:noFill/>
-          </a:ln>
-        </p:spPr>
-      </p:pic>
-      <p:sp>
-        <p:nvSpPr>
-          <p:cNvPr id="628" name="Google Shape;628;p10"/>
-          <p:cNvSpPr/>
-          <p:nvPr/>
-        </p:nvSpPr>
-        <p:spPr>
-          <a:xfrm>
-            <a:off x="265320" y="376920"/>
-            <a:ext cx="5402160" cy="424800"/>
-          </a:xfrm>
-          <a:prstGeom prst="rect">
-            <a:avLst/>
-          </a:prstGeom>
-          <a:noFill/>
-          <a:ln>
-            <a:noFill/>
-          </a:ln>
-        </p:spPr>
-        <p:txBody>
-          <a:bodyPr spcFirstLastPara="1" wrap="square" lIns="90000" tIns="45000" rIns="90000" bIns="45000" anchor="t" anchorCtr="0">
-            <a:spAutoFit/>
-          </a:bodyPr>
-          <a:lstStyle/>
-          <a:p>
-            <a:pPr marL="0" marR="0" lvl="0" indent="0" algn="l" rtl="0">
-              <a:lnSpc>
-                <a:spcPct val="100000"/>
-              </a:lnSpc>
-              <a:spcBef>
-                <a:spcPts val="0"/>
-              </a:spcBef>
-              <a:spcAft>
-                <a:spcPts val="0"/>
-              </a:spcAft>
-              <a:buClr>
-                <a:srgbClr val="000000"/>
-              </a:buClr>
-              <a:buSzPts val="2200"/>
-              <a:buFont typeface="Arial"/>
-              <a:buNone/>
-            </a:pPr>
-            <a:r>
-              <a:rPr lang="en-US" sz="2200" b="1" i="0" u="none" strike="noStrike" cap="none">
-                <a:solidFill>
-                  <a:srgbClr val="FFFFFF"/>
-                </a:solidFill>
-                <a:latin typeface="Arial"/>
-                <a:ea typeface="Arial"/>
-                <a:cs typeface="Arial"/>
-                <a:sym typeface="Arial"/>
-              </a:rPr>
-              <a:t>Informe aceptado en OSF.IO</a:t>
-            </a:r>
-            <a:endParaRPr sz="2200" b="0" i="0" u="none" strike="noStrike" cap="none">
-              <a:solidFill>
-                <a:srgbClr val="000000"/>
-              </a:solidFill>
-              <a:latin typeface="Arial"/>
-              <a:ea typeface="Arial"/>
-              <a:cs typeface="Arial"/>
-              <a:sym typeface="Arial"/>
-            </a:endParaRPr>
-          </a:p>
-        </p:txBody>
-      </p:sp>
-      <p:sp>
-        <p:nvSpPr>
-          <p:cNvPr id="629" name="Google Shape;629;p10"/>
-          <p:cNvSpPr/>
-          <p:nvPr/>
-        </p:nvSpPr>
-        <p:spPr>
-          <a:xfrm rot="10800000" flipH="1">
-            <a:off x="4321521" y="468155"/>
-            <a:ext cx="945756" cy="83916"/>
-          </a:xfrm>
-          <a:custGeom>
-            <a:avLst/>
-            <a:gdLst/>
-            <a:ahLst/>
-            <a:cxnLst/>
-            <a:rect l="l" t="t" r="r" b="b"/>
-            <a:pathLst>
-              <a:path w="21600" h="21600" extrusionOk="0">
-                <a:moveTo>
-                  <a:pt x="0" y="0"/>
-                </a:moveTo>
-                <a:lnTo>
-                  <a:pt x="21600" y="21600"/>
-                </a:lnTo>
-              </a:path>
-            </a:pathLst>
-          </a:custGeom>
-          <a:noFill/>
-          <a:ln w="76300" cap="flat" cmpd="sng">
-            <a:solidFill>
-              <a:schemeClr val="accent2"/>
-            </a:solidFill>
-            <a:prstDash val="solid"/>
-            <a:round/>
-            <a:headEnd type="none" w="sm" len="sm"/>
-            <a:tailEnd type="triangle" w="med" len="med"/>
-          </a:ln>
-        </p:spPr>
-      </p:sp>
-      <p:sp>
-        <p:nvSpPr>
-          <p:cNvPr id="630" name="Google Shape;630;p10"/>
-          <p:cNvSpPr/>
-          <p:nvPr/>
-        </p:nvSpPr>
-        <p:spPr>
-          <a:xfrm>
-            <a:off x="4971720" y="336600"/>
-            <a:ext cx="2402700" cy="302700"/>
-          </a:xfrm>
-          <a:prstGeom prst="rect">
-            <a:avLst/>
-          </a:prstGeom>
-          <a:noFill/>
-          <a:ln>
-            <a:noFill/>
-          </a:ln>
-        </p:spPr>
-        <p:txBody>
-          <a:bodyPr spcFirstLastPara="1" wrap="square" lIns="90000" tIns="45000" rIns="90000" bIns="45000" anchor="t" anchorCtr="0">
-            <a:spAutoFit/>
-          </a:bodyPr>
-          <a:lstStyle/>
-          <a:p>
-            <a:pPr marL="0" marR="0" lvl="0" indent="0" algn="ctr" rtl="0">
-              <a:lnSpc>
-                <a:spcPct val="100000"/>
-              </a:lnSpc>
-              <a:spcBef>
-                <a:spcPts val="0"/>
-              </a:spcBef>
-              <a:spcAft>
-                <a:spcPts val="0"/>
-              </a:spcAft>
-              <a:buClr>
-                <a:srgbClr val="000000"/>
-              </a:buClr>
-              <a:buSzPts val="1400"/>
-              <a:buFont typeface="Arial"/>
-              <a:buNone/>
-            </a:pPr>
-            <a:r>
-              <a:rPr lang="en-US" sz="1400" b="0" i="1" u="none" strike="noStrike" cap="none">
-                <a:solidFill>
-                  <a:schemeClr val="accent2"/>
-                </a:solidFill>
-                <a:latin typeface="Arial"/>
-                <a:ea typeface="Arial"/>
-                <a:cs typeface="Arial"/>
-                <a:sym typeface="Arial"/>
-              </a:rPr>
-              <a:t>Mantenga este título</a:t>
-            </a:r>
-            <a:endParaRPr sz="1400" b="0" i="0" u="none" strike="noStrike" cap="none">
-              <a:solidFill>
-                <a:schemeClr val="accent2"/>
-              </a:solidFill>
-              <a:latin typeface="Arial"/>
-              <a:ea typeface="Arial"/>
-              <a:cs typeface="Arial"/>
-              <a:sym typeface="Arial"/>
-            </a:endParaRPr>
-          </a:p>
-        </p:txBody>
-      </p:sp>
-      <p:sp>
-        <p:nvSpPr>
-          <p:cNvPr id="631" name="Google Shape;631;p10"/>
-          <p:cNvSpPr/>
-          <p:nvPr/>
-        </p:nvSpPr>
-        <p:spPr>
-          <a:xfrm>
-            <a:off x="2623800" y="2240875"/>
-            <a:ext cx="3649500" cy="516000"/>
-          </a:xfrm>
-          <a:prstGeom prst="rect">
-            <a:avLst/>
-          </a:prstGeom>
-          <a:noFill/>
-          <a:ln>
-            <a:noFill/>
-          </a:ln>
-        </p:spPr>
-        <p:txBody>
-          <a:bodyPr spcFirstLastPara="1" wrap="square" lIns="90000" tIns="45000" rIns="90000" bIns="45000" anchor="t" anchorCtr="0">
-            <a:spAutoFit/>
-          </a:bodyPr>
-          <a:lstStyle/>
-          <a:p>
-            <a:pPr marL="0" marR="0" lvl="0" indent="0" algn="ctr" rtl="0">
-              <a:lnSpc>
-                <a:spcPct val="100000"/>
-              </a:lnSpc>
-              <a:spcBef>
-                <a:spcPts val="0"/>
-              </a:spcBef>
-              <a:spcAft>
-                <a:spcPts val="0"/>
-              </a:spcAft>
-              <a:buClr>
-                <a:srgbClr val="000000"/>
-              </a:buClr>
-              <a:buSzPts val="1400"/>
-              <a:buFont typeface="Arial"/>
-              <a:buNone/>
-            </a:pPr>
-            <a:r>
-              <a:rPr lang="en-US" sz="1400" b="0" i="1" u="none" strike="noStrike" cap="none">
-                <a:solidFill>
-                  <a:schemeClr val="accent2"/>
-                </a:solidFill>
-                <a:latin typeface="Arial"/>
-                <a:ea typeface="Arial"/>
-                <a:cs typeface="Arial"/>
-                <a:sym typeface="Arial"/>
-              </a:rPr>
-              <a:t>Incluya la cita del informe</a:t>
-            </a:r>
-            <a:br>
-              <a:rPr lang="en-US" sz="1800" b="0" i="0" u="none" strike="noStrike" cap="none">
-                <a:solidFill>
-                  <a:schemeClr val="accent2"/>
-                </a:solidFill>
-                <a:latin typeface="Arial"/>
-                <a:ea typeface="Arial"/>
-                <a:cs typeface="Arial"/>
-                <a:sym typeface="Arial"/>
-              </a:rPr>
-            </a:br>
-            <a:r>
-              <a:rPr lang="en-US" sz="1400" b="0" i="1" u="none" strike="noStrike" cap="none">
-                <a:solidFill>
-                  <a:schemeClr val="accent2"/>
-                </a:solidFill>
-                <a:latin typeface="Arial"/>
-                <a:ea typeface="Arial"/>
-                <a:cs typeface="Arial"/>
-                <a:sym typeface="Arial"/>
-              </a:rPr>
-              <a:t>en OSF PREPRINTS y el enlace. No, no en los OSF projects, pero sí en OSF Preprints.</a:t>
-            </a:r>
-            <a:endParaRPr sz="1400" b="0" i="0" u="none" strike="noStrike" cap="none">
-              <a:solidFill>
-                <a:schemeClr val="accent2"/>
-              </a:solidFill>
-              <a:latin typeface="Arial"/>
-              <a:ea typeface="Arial"/>
-              <a:cs typeface="Arial"/>
-              <a:sym typeface="Arial"/>
-            </a:endParaRPr>
-          </a:p>
-        </p:txBody>
-      </p:sp>
-      <p:sp>
-        <p:nvSpPr>
-          <p:cNvPr id="632" name="Google Shape;632;p10"/>
-          <p:cNvSpPr/>
-          <p:nvPr/>
-        </p:nvSpPr>
-        <p:spPr>
-          <a:xfrm rot="10800000" flipH="1">
-            <a:off x="2087873" y="2693743"/>
-            <a:ext cx="618840" cy="489510"/>
-          </a:xfrm>
-          <a:custGeom>
-            <a:avLst/>
-            <a:gdLst/>
-            <a:ahLst/>
-            <a:cxnLst/>
-            <a:rect l="l" t="t" r="r" b="b"/>
-            <a:pathLst>
-              <a:path w="21600" h="21600" extrusionOk="0">
-                <a:moveTo>
-                  <a:pt x="0" y="0"/>
-                </a:moveTo>
-                <a:lnTo>
-                  <a:pt x="21600" y="21600"/>
-                </a:lnTo>
-              </a:path>
-            </a:pathLst>
-          </a:custGeom>
-          <a:noFill/>
-          <a:ln w="76300" cap="flat" cmpd="sng">
-            <a:solidFill>
-              <a:schemeClr val="accent2"/>
-            </a:solidFill>
-            <a:prstDash val="solid"/>
-            <a:round/>
-            <a:headEnd type="none" w="sm" len="sm"/>
-            <a:tailEnd type="triangle" w="med" len="med"/>
-          </a:ln>
-        </p:spPr>
-      </p:sp>
-      <p:sp>
-        <p:nvSpPr>
-          <p:cNvPr id="633" name="Google Shape;633;p10"/>
-          <p:cNvSpPr/>
-          <p:nvPr/>
-        </p:nvSpPr>
-        <p:spPr>
-          <a:xfrm>
-            <a:off x="418325" y="3107875"/>
-            <a:ext cx="6126000" cy="912600"/>
-          </a:xfrm>
-          <a:prstGeom prst="rect">
-            <a:avLst/>
-          </a:prstGeom>
-          <a:noFill/>
-          <a:ln>
-            <a:noFill/>
-          </a:ln>
-        </p:spPr>
-        <p:txBody>
-          <a:bodyPr spcFirstLastPara="1" wrap="square" lIns="90000" tIns="45000" rIns="90000" bIns="45000" anchor="t" anchorCtr="0">
-            <a:spAutoFit/>
-          </a:bodyPr>
-          <a:lstStyle/>
-          <a:p>
-            <a:pPr marL="0" marR="0" lvl="0" indent="0" algn="just" rtl="0">
-              <a:lnSpc>
-                <a:spcPct val="100000"/>
-              </a:lnSpc>
-              <a:spcBef>
-                <a:spcPts val="0"/>
-              </a:spcBef>
-              <a:spcAft>
-                <a:spcPts val="0"/>
-              </a:spcAft>
-              <a:buClr>
-                <a:srgbClr val="000000"/>
-              </a:buClr>
-              <a:buSzPts val="1800"/>
-              <a:buFont typeface="Arial"/>
-              <a:buNone/>
-            </a:pPr>
-            <a:r>
-              <a:rPr lang="en-US" sz="2200" b="0" i="0" u="none" strike="noStrike" cap="none">
-                <a:solidFill>
-                  <a:srgbClr val="001E33"/>
-                </a:solidFill>
-                <a:latin typeface="Arial"/>
-                <a:ea typeface="Arial"/>
-                <a:cs typeface="Arial"/>
-                <a:sym typeface="Arial"/>
-              </a:rPr>
-              <a:t>Julián Ramírez, Andrés Salazar, Simón Marín, Mauricio Toro. </a:t>
-            </a:r>
-            <a:r>
-              <a:rPr lang="en-US" sz="2200">
-                <a:solidFill>
-                  <a:srgbClr val="001E33"/>
-                </a:solidFill>
-              </a:rPr>
-              <a:t>Energy and Storage Optimization in Precision Livestock Farming</a:t>
-            </a:r>
-            <a:r>
-              <a:rPr lang="en-US" sz="2200" b="0" i="0" u="none" strike="noStrike" cap="none">
-                <a:solidFill>
-                  <a:srgbClr val="001E33"/>
-                </a:solidFill>
-                <a:latin typeface="Arial"/>
-                <a:ea typeface="Arial"/>
-                <a:cs typeface="Arial"/>
-                <a:sym typeface="Arial"/>
-              </a:rPr>
-              <a:t>. Informe técnico, Universidad EAFIT, 2021. https://doi.org/10.31219/osf.io/du8yt</a:t>
-            </a:r>
-            <a:endParaRPr sz="2200" b="0" i="0" u="none" strike="noStrike" cap="none">
-              <a:solidFill>
-                <a:srgbClr val="001E33"/>
-              </a:solidFill>
-              <a:latin typeface="Arial"/>
-              <a:ea typeface="Arial"/>
-              <a:cs typeface="Arial"/>
-              <a:sym typeface="Arial"/>
-            </a:endParaRPr>
-          </a:p>
-        </p:txBody>
-      </p:sp>
-      <p:sp>
-        <p:nvSpPr>
-          <p:cNvPr id="634" name="Google Shape;634;p10"/>
-          <p:cNvSpPr/>
-          <p:nvPr/>
-        </p:nvSpPr>
-        <p:spPr>
-          <a:xfrm>
-            <a:off x="2640426" y="5215875"/>
-            <a:ext cx="3508800" cy="516000"/>
-          </a:xfrm>
-          <a:prstGeom prst="rect">
-            <a:avLst/>
-          </a:prstGeom>
-          <a:noFill/>
-          <a:ln>
-            <a:noFill/>
-          </a:ln>
-        </p:spPr>
-        <p:txBody>
-          <a:bodyPr spcFirstLastPara="1" wrap="square" lIns="90000" tIns="45000" rIns="90000" bIns="45000" anchor="t" anchorCtr="0">
-            <a:spAutoFit/>
-          </a:bodyPr>
-          <a:lstStyle/>
-          <a:p>
-            <a:pPr marL="0" marR="0" lvl="0" indent="0" algn="ctr" rtl="0">
-              <a:lnSpc>
-                <a:spcPct val="100000"/>
-              </a:lnSpc>
-              <a:spcBef>
-                <a:spcPts val="0"/>
-              </a:spcBef>
-              <a:spcAft>
-                <a:spcPts val="0"/>
-              </a:spcAft>
-              <a:buClr>
-                <a:srgbClr val="000000"/>
-              </a:buClr>
-              <a:buSzPts val="1400"/>
-              <a:buFont typeface="Arial"/>
-              <a:buNone/>
-            </a:pPr>
-            <a:r>
-              <a:rPr lang="en-US" sz="1400" b="0" i="1" u="none" strike="noStrike" cap="none">
-                <a:solidFill>
-                  <a:schemeClr val="accent2"/>
-                </a:solidFill>
-                <a:latin typeface="Arial"/>
-                <a:ea typeface="Arial"/>
-                <a:cs typeface="Arial"/>
-                <a:sym typeface="Arial"/>
-              </a:rPr>
-              <a:t>Incluya una captura de pantalla de su informe publicado en osf.io y elimine el círculo</a:t>
-            </a:r>
-            <a:endParaRPr sz="1400" b="0" i="0" u="none" strike="noStrike" cap="none">
-              <a:solidFill>
-                <a:schemeClr val="accent2"/>
-              </a:solidFill>
-              <a:latin typeface="Arial"/>
-              <a:ea typeface="Arial"/>
-              <a:cs typeface="Arial"/>
-              <a:sym typeface="Arial"/>
-            </a:endParaRPr>
-          </a:p>
-        </p:txBody>
-      </p:sp>
-      <p:sp>
-        <p:nvSpPr>
-          <p:cNvPr id="635" name="Google Shape;635;p10"/>
-          <p:cNvSpPr/>
-          <p:nvPr/>
-        </p:nvSpPr>
-        <p:spPr>
-          <a:xfrm>
-            <a:off x="8229600" y="124200"/>
-            <a:ext cx="2114640" cy="515880"/>
-          </a:xfrm>
-          <a:prstGeom prst="rect">
-            <a:avLst/>
-          </a:prstGeom>
-          <a:noFill/>
-          <a:ln>
-            <a:noFill/>
-          </a:ln>
-        </p:spPr>
-        <p:txBody>
-          <a:bodyPr spcFirstLastPara="1" wrap="square" lIns="90000" tIns="45000" rIns="90000" bIns="45000" anchor="t" anchorCtr="0">
-            <a:spAutoFit/>
-          </a:bodyPr>
-          <a:lstStyle/>
-          <a:p>
-            <a:pPr marL="0" marR="0" lvl="0" indent="0" algn="ctr" rtl="0">
-              <a:lnSpc>
-                <a:spcPct val="100000"/>
-              </a:lnSpc>
-              <a:spcBef>
-                <a:spcPts val="0"/>
-              </a:spcBef>
-              <a:spcAft>
-                <a:spcPts val="0"/>
-              </a:spcAft>
-              <a:buClr>
-                <a:srgbClr val="000000"/>
-              </a:buClr>
-              <a:buSzPts val="1400"/>
-              <a:buFont typeface="Arial"/>
-              <a:buNone/>
-            </a:pPr>
-            <a:r>
-              <a:rPr lang="en-US" sz="1400" b="0" i="1" u="none" strike="noStrike" cap="none">
-                <a:solidFill>
-                  <a:schemeClr val="accent2"/>
-                </a:solidFill>
-                <a:latin typeface="Arial"/>
-                <a:ea typeface="Arial"/>
-                <a:cs typeface="Arial"/>
-                <a:sym typeface="Arial"/>
-              </a:rPr>
-              <a:t>Complete esta diapositiva</a:t>
-            </a:r>
-            <a:endParaRPr sz="1400" b="0" i="0" u="none" strike="noStrike" cap="none">
-              <a:solidFill>
-                <a:schemeClr val="accent2"/>
-              </a:solidFill>
-              <a:latin typeface="Arial"/>
-              <a:ea typeface="Arial"/>
-              <a:cs typeface="Arial"/>
-              <a:sym typeface="Arial"/>
-            </a:endParaRPr>
-          </a:p>
-          <a:p>
-            <a:pPr marL="0" marR="0" lvl="0" indent="0" algn="ctr" rtl="0">
-              <a:lnSpc>
-                <a:spcPct val="100000"/>
-              </a:lnSpc>
-              <a:spcBef>
-                <a:spcPts val="0"/>
-              </a:spcBef>
-              <a:spcAft>
-                <a:spcPts val="0"/>
-              </a:spcAft>
-              <a:buClr>
-                <a:srgbClr val="000000"/>
-              </a:buClr>
-              <a:buSzPts val="1400"/>
-              <a:buFont typeface="Arial"/>
-              <a:buNone/>
-            </a:pPr>
-            <a:r>
-              <a:rPr lang="en-US" sz="1400" b="0" i="1" u="none" strike="noStrike" cap="none">
-                <a:solidFill>
-                  <a:schemeClr val="accent2"/>
-                </a:solidFill>
-                <a:latin typeface="Arial"/>
-                <a:ea typeface="Arial"/>
-                <a:cs typeface="Arial"/>
-                <a:sym typeface="Arial"/>
-              </a:rPr>
-              <a:t>Para la tercera entrega</a:t>
-            </a:r>
-            <a:endParaRPr sz="1400" b="0" i="0" u="none" strike="noStrike" cap="none">
-              <a:solidFill>
-                <a:schemeClr val="accent2"/>
-              </a:solidFill>
-              <a:latin typeface="Arial"/>
-              <a:ea typeface="Arial"/>
-              <a:cs typeface="Arial"/>
-              <a:sym typeface="Arial"/>
-            </a:endParaRPr>
-          </a:p>
-        </p:txBody>
-      </p:sp>
-      <p:sp>
-        <p:nvSpPr>
-          <p:cNvPr id="636" name="Google Shape;636;p10"/>
-          <p:cNvSpPr/>
-          <p:nvPr/>
-        </p:nvSpPr>
-        <p:spPr>
-          <a:xfrm>
-            <a:off x="548240" y="959495"/>
-            <a:ext cx="2114700" cy="516000"/>
-          </a:xfrm>
-          <a:prstGeom prst="rect">
-            <a:avLst/>
-          </a:prstGeom>
-          <a:noFill/>
-          <a:ln>
-            <a:noFill/>
-          </a:ln>
-        </p:spPr>
-        <p:txBody>
-          <a:bodyPr spcFirstLastPara="1" wrap="square" lIns="90000" tIns="45000" rIns="90000" bIns="45000" anchor="t" anchorCtr="0">
-            <a:noAutofit/>
-          </a:bodyPr>
-          <a:lstStyle/>
-          <a:p>
-            <a:pPr marL="0" marR="0" lvl="0" indent="0" algn="ctr" rtl="0">
-              <a:lnSpc>
-                <a:spcPct val="100000"/>
-              </a:lnSpc>
-              <a:spcBef>
-                <a:spcPts val="0"/>
-              </a:spcBef>
-              <a:spcAft>
-                <a:spcPts val="0"/>
-              </a:spcAft>
-              <a:buClr>
-                <a:srgbClr val="000000"/>
-              </a:buClr>
-              <a:buSzPts val="1400"/>
-              <a:buFont typeface="Arial"/>
-              <a:buNone/>
-            </a:pPr>
-            <a:r>
-              <a:rPr lang="en-US" sz="1400" b="0" i="1" u="none" strike="noStrike" cap="none">
-                <a:solidFill>
-                  <a:schemeClr val="accent2"/>
-                </a:solidFill>
-                <a:latin typeface="Arial"/>
-                <a:ea typeface="Arial"/>
-                <a:cs typeface="Arial"/>
-                <a:sym typeface="Arial"/>
-              </a:rPr>
-              <a:t>NO utilizar el color rojo en las diapositivas</a:t>
-            </a:r>
-            <a:endParaRPr sz="1400" b="0" i="0" u="none" strike="noStrike" cap="none">
-              <a:solidFill>
-                <a:schemeClr val="accent2"/>
-              </a:solidFill>
-              <a:latin typeface="Arial"/>
-              <a:ea typeface="Arial"/>
-              <a:cs typeface="Arial"/>
-              <a:sym typeface="Arial"/>
-            </a:endParaRPr>
-          </a:p>
-        </p:txBody>
-      </p:sp>
-      <p:sp>
-        <p:nvSpPr>
-          <p:cNvPr id="637" name="Google Shape;637;p10"/>
-          <p:cNvSpPr/>
-          <p:nvPr/>
-        </p:nvSpPr>
-        <p:spPr>
-          <a:xfrm flipH="1">
-            <a:off x="7405536" y="5261857"/>
-            <a:ext cx="530658" cy="833058"/>
-          </a:xfrm>
-          <a:custGeom>
-            <a:avLst/>
-            <a:gdLst/>
-            <a:ahLst/>
-            <a:cxnLst/>
-            <a:rect l="l" t="t" r="r" b="b"/>
-            <a:pathLst>
-              <a:path w="21600" h="21600" extrusionOk="0">
-                <a:moveTo>
-                  <a:pt x="0" y="0"/>
-                </a:moveTo>
-                <a:lnTo>
-                  <a:pt x="21600" y="21600"/>
-                </a:lnTo>
-              </a:path>
-            </a:pathLst>
-          </a:custGeom>
-          <a:noFill/>
-          <a:ln w="76300" cap="flat" cmpd="sng">
-            <a:solidFill>
-              <a:schemeClr val="accent2"/>
-            </a:solidFill>
-            <a:prstDash val="solid"/>
-            <a:round/>
-            <a:headEnd type="none" w="sm" len="sm"/>
-            <a:tailEnd type="triangle" w="med" len="med"/>
-          </a:ln>
-        </p:spPr>
-      </p:sp>
-      <p:sp>
-        <p:nvSpPr>
-          <p:cNvPr id="638" name="Google Shape;638;p10"/>
-          <p:cNvSpPr/>
-          <p:nvPr/>
-        </p:nvSpPr>
-        <p:spPr>
-          <a:xfrm>
-            <a:off x="5509326" y="6128750"/>
-            <a:ext cx="3425400" cy="516000"/>
-          </a:xfrm>
-          <a:prstGeom prst="rect">
-            <a:avLst/>
-          </a:prstGeom>
-          <a:noFill/>
-          <a:ln>
-            <a:noFill/>
-          </a:ln>
-        </p:spPr>
-        <p:txBody>
-          <a:bodyPr spcFirstLastPara="1" wrap="square" lIns="90000" tIns="45000" rIns="90000" bIns="45000" anchor="t" anchorCtr="0">
-            <a:noAutofit/>
-          </a:bodyPr>
-          <a:lstStyle/>
-          <a:p>
-            <a:pPr marL="0" marR="0" lvl="0" indent="0" algn="ctr" rtl="0">
-              <a:lnSpc>
-                <a:spcPct val="100000"/>
-              </a:lnSpc>
-              <a:spcBef>
-                <a:spcPts val="0"/>
-              </a:spcBef>
-              <a:spcAft>
-                <a:spcPts val="0"/>
-              </a:spcAft>
-              <a:buClr>
-                <a:srgbClr val="000000"/>
-              </a:buClr>
-              <a:buSzPts val="1400"/>
-              <a:buFont typeface="Arial"/>
-              <a:buNone/>
-            </a:pPr>
-            <a:r>
-              <a:rPr lang="en-US" sz="1400" b="0" i="1" u="none" strike="noStrike" cap="none">
-                <a:solidFill>
-                  <a:schemeClr val="accent2"/>
-                </a:solidFill>
-                <a:latin typeface="Arial"/>
-                <a:ea typeface="Arial"/>
-                <a:cs typeface="Arial"/>
-                <a:sym typeface="Arial"/>
-              </a:rPr>
-              <a:t>Incluya a los </a:t>
-            </a:r>
-            <a:r>
-              <a:rPr lang="en-US" i="1">
-                <a:solidFill>
-                  <a:schemeClr val="accent2"/>
-                </a:solidFill>
-              </a:rPr>
-              <a:t>monitores </a:t>
-            </a:r>
-            <a:r>
-              <a:rPr lang="en-US" sz="1400" b="0" i="1" u="none" strike="noStrike" cap="none">
-                <a:solidFill>
-                  <a:schemeClr val="accent2"/>
-                </a:solidFill>
-                <a:latin typeface="Arial"/>
-                <a:ea typeface="Arial"/>
-                <a:cs typeface="Arial"/>
-                <a:sym typeface="Arial"/>
-              </a:rPr>
-              <a:t>y al profesores entre los autores, por favor</a:t>
-            </a:r>
-            <a:endParaRPr sz="1400" b="0" i="0" u="none" strike="noStrike" cap="none">
-              <a:solidFill>
-                <a:schemeClr val="accent2"/>
-              </a:solidFill>
-              <a:latin typeface="Arial"/>
-              <a:ea typeface="Arial"/>
-              <a:cs typeface="Arial"/>
-              <a:sym typeface="Arial"/>
-            </a:endParaRPr>
-          </a:p>
-        </p:txBody>
-      </p:sp>
-      <p:pic>
-        <p:nvPicPr>
-          <p:cNvPr id="639" name="Google Shape;639;p10"/>
-          <p:cNvPicPr preferRelativeResize="0"/>
-          <p:nvPr/>
-        </p:nvPicPr>
-        <p:blipFill rotWithShape="1">
-          <a:blip r:embed="rId4">
-            <a:alphaModFix/>
-          </a:blip>
-          <a:srcRect/>
-          <a:stretch/>
-        </p:blipFill>
-        <p:spPr>
-          <a:xfrm>
-            <a:off x="6431576" y="1829064"/>
-            <a:ext cx="5550945" cy="3615400"/>
-          </a:xfrm>
-          <a:prstGeom prst="rect">
-            <a:avLst/>
-          </a:prstGeom>
-          <a:noFill/>
-          <a:ln>
-            <a:noFill/>
-          </a:ln>
-        </p:spPr>
-      </p:pic>
-      <p:sp>
-        <p:nvSpPr>
-          <p:cNvPr id="640" name="Google Shape;640;p10"/>
-          <p:cNvSpPr/>
-          <p:nvPr/>
-        </p:nvSpPr>
-        <p:spPr>
-          <a:xfrm flipH="1">
-            <a:off x="5920511" y="4581882"/>
-            <a:ext cx="530658" cy="833058"/>
-          </a:xfrm>
-          <a:custGeom>
-            <a:avLst/>
-            <a:gdLst/>
-            <a:ahLst/>
-            <a:cxnLst/>
-            <a:rect l="l" t="t" r="r" b="b"/>
-            <a:pathLst>
-              <a:path w="21600" h="21600" extrusionOk="0">
-                <a:moveTo>
-                  <a:pt x="0" y="0"/>
-                </a:moveTo>
-                <a:lnTo>
-                  <a:pt x="21600" y="21600"/>
-                </a:lnTo>
-              </a:path>
-            </a:pathLst>
-          </a:custGeom>
-          <a:noFill/>
-          <a:ln w="76300" cap="flat" cmpd="sng">
-            <a:solidFill>
-              <a:schemeClr val="accent2"/>
-            </a:solidFill>
-            <a:prstDash val="solid"/>
-            <a:round/>
-            <a:headEnd type="none" w="sm" len="sm"/>
-            <a:tailEnd type="triangle" w="med" len="med"/>
-          </a:ln>
-        </p:spPr>
-      </p:sp>
-      <p:sp>
-        <p:nvSpPr>
-          <p:cNvPr id="641" name="Google Shape;641;p10"/>
-          <p:cNvSpPr txBox="1"/>
-          <p:nvPr/>
-        </p:nvSpPr>
-        <p:spPr>
-          <a:xfrm>
-            <a:off x="926000" y="6046350"/>
-            <a:ext cx="3000000" cy="615600"/>
-          </a:xfrm>
-          <a:prstGeom prst="rect">
-            <a:avLst/>
-          </a:prstGeom>
-          <a:noFill/>
-          <a:ln>
-            <a:noFill/>
-          </a:ln>
-        </p:spPr>
-        <p:txBody>
-          <a:bodyPr spcFirstLastPara="1" wrap="square" lIns="91425" tIns="91425" rIns="91425" bIns="91425" anchor="t" anchorCtr="0">
-            <a:spAutoFit/>
-          </a:bodyPr>
-          <a:lstStyle/>
-          <a:p>
-            <a:pPr marL="0" marR="0" lvl="0" indent="0" algn="ctr" rtl="0">
-              <a:lnSpc>
-                <a:spcPct val="100000"/>
-              </a:lnSpc>
-              <a:spcBef>
-                <a:spcPts val="0"/>
-              </a:spcBef>
-              <a:spcAft>
-                <a:spcPts val="0"/>
-              </a:spcAft>
-              <a:buClr>
-                <a:srgbClr val="000000"/>
-              </a:buClr>
-              <a:buSzPts val="1400"/>
-              <a:buFont typeface="Arial"/>
-              <a:buNone/>
-            </a:pPr>
-            <a:r>
-              <a:rPr lang="en-US" sz="1400" b="0" i="1" u="none" strike="noStrike" cap="none">
-                <a:solidFill>
-                  <a:schemeClr val="accent2"/>
-                </a:solidFill>
-                <a:latin typeface="Arial"/>
-                <a:ea typeface="Arial"/>
-                <a:cs typeface="Arial"/>
-                <a:sym typeface="Arial"/>
-              </a:rPr>
-              <a:t>El tamaño de la letra debe ser de al menos 22 puntos</a:t>
-            </a:r>
-            <a:endParaRPr sz="1400" b="1" i="0" u="none" strike="noStrike" cap="none">
-              <a:solidFill>
-                <a:schemeClr val="accent2"/>
-              </a:solidFill>
-              <a:latin typeface="Arial"/>
-              <a:ea typeface="Arial"/>
-              <a:cs typeface="Arial"/>
-              <a:sym typeface="Arial"/>
-            </a:endParaRPr>
-          </a:p>
-        </p:txBody>
-      </p:sp>
-      <p:sp>
-        <p:nvSpPr>
-          <p:cNvPr id="642" name="Google Shape;642;p10"/>
-          <p:cNvSpPr/>
-          <p:nvPr/>
-        </p:nvSpPr>
-        <p:spPr>
-          <a:xfrm>
-            <a:off x="4321529" y="1057400"/>
-            <a:ext cx="2932500" cy="516000"/>
-          </a:xfrm>
-          <a:prstGeom prst="rect">
-            <a:avLst/>
-          </a:prstGeom>
-          <a:noFill/>
-          <a:ln>
-            <a:noFill/>
-          </a:ln>
-        </p:spPr>
-        <p:txBody>
-          <a:bodyPr spcFirstLastPara="1" wrap="square" lIns="90000" tIns="45000" rIns="90000" bIns="45000" anchor="t" anchorCtr="0">
-            <a:noAutofit/>
-          </a:bodyPr>
-          <a:lstStyle/>
-          <a:p>
-            <a:pPr marL="0" marR="0" lvl="0" indent="0" algn="ctr" rtl="0">
-              <a:lnSpc>
-                <a:spcPct val="100000"/>
-              </a:lnSpc>
-              <a:spcBef>
-                <a:spcPts val="0"/>
-              </a:spcBef>
-              <a:spcAft>
-                <a:spcPts val="0"/>
-              </a:spcAft>
-              <a:buClr>
-                <a:srgbClr val="000000"/>
-              </a:buClr>
-              <a:buSzPts val="1400"/>
-              <a:buFont typeface="Arial"/>
-              <a:buNone/>
-            </a:pPr>
-            <a:r>
-              <a:rPr lang="en-US" sz="1400" b="0" i="1" u="none" strike="noStrike" cap="none">
-                <a:solidFill>
-                  <a:schemeClr val="accent2"/>
-                </a:solidFill>
-                <a:latin typeface="Arial"/>
-                <a:ea typeface="Arial"/>
-                <a:cs typeface="Arial"/>
-                <a:sym typeface="Arial"/>
-              </a:rPr>
-              <a:t>Elimine esta diapositiva si su informe no fue presentado a OSF</a:t>
-            </a:r>
-            <a:endParaRPr sz="1400" b="0" i="0" u="none" strike="noStrike" cap="none">
-              <a:solidFill>
-                <a:schemeClr val="accent2"/>
-              </a:solidFill>
-              <a:latin typeface="Arial"/>
-              <a:ea typeface="Arial"/>
-              <a:cs typeface="Arial"/>
-              <a:sym typeface="Arial"/>
-            </a:endParaRPr>
-          </a:p>
-        </p:txBody>
-      </p:sp>
-      <p:sp>
-        <p:nvSpPr>
-          <p:cNvPr id="643" name="Google Shape;643;p10"/>
-          <p:cNvSpPr/>
-          <p:nvPr/>
-        </p:nvSpPr>
-        <p:spPr>
-          <a:xfrm rot="9395086" flipH="1">
-            <a:off x="716280" y="2541321"/>
-            <a:ext cx="618825" cy="489528"/>
-          </a:xfrm>
-          <a:custGeom>
-            <a:avLst/>
-            <a:gdLst/>
-            <a:ahLst/>
-            <a:cxnLst/>
-            <a:rect l="l" t="t" r="r" b="b"/>
-            <a:pathLst>
-              <a:path w="21600" h="21600" extrusionOk="0">
-                <a:moveTo>
-                  <a:pt x="0" y="0"/>
-                </a:moveTo>
-                <a:lnTo>
-                  <a:pt x="21600" y="21600"/>
-                </a:lnTo>
-              </a:path>
-            </a:pathLst>
-          </a:custGeom>
-          <a:noFill/>
-          <a:ln w="76300" cap="flat" cmpd="sng">
-            <a:solidFill>
-              <a:schemeClr val="accent2"/>
-            </a:solidFill>
-            <a:prstDash val="solid"/>
-            <a:round/>
-            <a:headEnd type="none" w="sm" len="sm"/>
-            <a:tailEnd type="triangle" w="med" len="med"/>
-          </a:ln>
-        </p:spPr>
-      </p:sp>
-      <p:sp>
-        <p:nvSpPr>
-          <p:cNvPr id="644" name="Google Shape;644;p10"/>
-          <p:cNvSpPr/>
-          <p:nvPr/>
-        </p:nvSpPr>
-        <p:spPr>
-          <a:xfrm>
-            <a:off x="121679" y="1940925"/>
-            <a:ext cx="2932500" cy="516000"/>
-          </a:xfrm>
-          <a:prstGeom prst="rect">
-            <a:avLst/>
-          </a:prstGeom>
-          <a:noFill/>
-          <a:ln>
-            <a:noFill/>
-          </a:ln>
-        </p:spPr>
-        <p:txBody>
-          <a:bodyPr spcFirstLastPara="1" wrap="square" lIns="90000" tIns="45000" rIns="90000" bIns="45000" anchor="t" anchorCtr="0">
-            <a:noAutofit/>
-          </a:bodyPr>
-          <a:lstStyle/>
-          <a:p>
-            <a:pPr marL="0" marR="0" lvl="0" indent="0" algn="ctr" rtl="0">
-              <a:lnSpc>
-                <a:spcPct val="100000"/>
-              </a:lnSpc>
-              <a:spcBef>
-                <a:spcPts val="0"/>
-              </a:spcBef>
-              <a:spcAft>
-                <a:spcPts val="0"/>
-              </a:spcAft>
-              <a:buClr>
-                <a:srgbClr val="000000"/>
-              </a:buClr>
-              <a:buSzPts val="1400"/>
-              <a:buFont typeface="Arial"/>
-              <a:buNone/>
-            </a:pPr>
-            <a:r>
-              <a:rPr lang="en-US" sz="1400" b="0" i="1" u="none" strike="noStrike" cap="none">
-                <a:solidFill>
-                  <a:schemeClr val="accent2"/>
-                </a:solidFill>
-                <a:latin typeface="Arial"/>
-                <a:ea typeface="Arial"/>
-                <a:cs typeface="Arial"/>
-                <a:sym typeface="Arial"/>
-              </a:rPr>
-              <a:t>Este es un ejemplo de citación </a:t>
-            </a:r>
-            <a:br>
-              <a:rPr lang="en-US" sz="1400" b="0" i="1" u="none" strike="noStrike" cap="none">
-                <a:solidFill>
-                  <a:schemeClr val="accent2"/>
-                </a:solidFill>
-                <a:latin typeface="Arial"/>
-                <a:ea typeface="Arial"/>
-                <a:cs typeface="Arial"/>
-                <a:sym typeface="Arial"/>
-              </a:rPr>
-            </a:br>
-            <a:r>
-              <a:rPr lang="en-US" sz="1400" b="0" i="1" u="none" strike="noStrike" cap="none">
-                <a:solidFill>
-                  <a:schemeClr val="accent2"/>
-                </a:solidFill>
-                <a:latin typeface="Arial"/>
-                <a:ea typeface="Arial"/>
-                <a:cs typeface="Arial"/>
-                <a:sym typeface="Arial"/>
-              </a:rPr>
-              <a:t>de un informe anterior</a:t>
-            </a:r>
-            <a:endParaRPr sz="1400" b="0" i="0" u="none" strike="noStrike" cap="none">
-              <a:solidFill>
-                <a:schemeClr val="accent2"/>
-              </a:solidFill>
-              <a:latin typeface="Arial"/>
-              <a:ea typeface="Arial"/>
-              <a:cs typeface="Arial"/>
-              <a:sym typeface="Arial"/>
-            </a:endParaRPr>
-          </a:p>
-        </p:txBody>
-      </p:sp>
-      <p:sp>
-        <p:nvSpPr>
-          <p:cNvPr id="645" name="Google Shape;645;p10"/>
-          <p:cNvSpPr/>
-          <p:nvPr/>
-        </p:nvSpPr>
-        <p:spPr>
-          <a:xfrm rot="9395086" flipH="1">
-            <a:off x="8474505" y="1542496"/>
-            <a:ext cx="618825" cy="489528"/>
-          </a:xfrm>
-          <a:custGeom>
-            <a:avLst/>
-            <a:gdLst/>
-            <a:ahLst/>
-            <a:cxnLst/>
-            <a:rect l="l" t="t" r="r" b="b"/>
-            <a:pathLst>
-              <a:path w="21600" h="21600" extrusionOk="0">
-                <a:moveTo>
-                  <a:pt x="0" y="0"/>
-                </a:moveTo>
-                <a:lnTo>
-                  <a:pt x="21600" y="21600"/>
-                </a:lnTo>
-              </a:path>
-            </a:pathLst>
-          </a:custGeom>
-          <a:noFill/>
-          <a:ln w="76300" cap="flat" cmpd="sng">
-            <a:solidFill>
-              <a:schemeClr val="accent2"/>
-            </a:solidFill>
-            <a:prstDash val="solid"/>
-            <a:round/>
-            <a:headEnd type="none" w="sm" len="sm"/>
-            <a:tailEnd type="triangle" w="med" len="med"/>
-          </a:ln>
-        </p:spPr>
-      </p:sp>
-      <p:sp>
-        <p:nvSpPr>
-          <p:cNvPr id="646" name="Google Shape;646;p10"/>
-          <p:cNvSpPr/>
-          <p:nvPr/>
-        </p:nvSpPr>
-        <p:spPr>
-          <a:xfrm>
-            <a:off x="8413304" y="942100"/>
-            <a:ext cx="2932500" cy="516000"/>
-          </a:xfrm>
-          <a:prstGeom prst="rect">
-            <a:avLst/>
-          </a:prstGeom>
-          <a:noFill/>
-          <a:ln>
-            <a:noFill/>
-          </a:ln>
-        </p:spPr>
-        <p:txBody>
-          <a:bodyPr spcFirstLastPara="1" wrap="square" lIns="90000" tIns="45000" rIns="90000" bIns="45000" anchor="t" anchorCtr="0">
-            <a:noAutofit/>
-          </a:bodyPr>
-          <a:lstStyle/>
-          <a:p>
-            <a:pPr marL="0" marR="0" lvl="0" indent="0" algn="ctr" rtl="0">
-              <a:lnSpc>
-                <a:spcPct val="100000"/>
-              </a:lnSpc>
-              <a:spcBef>
-                <a:spcPts val="0"/>
-              </a:spcBef>
-              <a:spcAft>
-                <a:spcPts val="0"/>
-              </a:spcAft>
-              <a:buClr>
-                <a:srgbClr val="000000"/>
-              </a:buClr>
-              <a:buSzPts val="1400"/>
-              <a:buFont typeface="Arial"/>
-              <a:buNone/>
-            </a:pPr>
-            <a:r>
-              <a:rPr lang="en-US" sz="1400" b="0" i="1" u="none" strike="noStrike" cap="none">
-                <a:solidFill>
-                  <a:schemeClr val="accent2"/>
-                </a:solidFill>
-                <a:latin typeface="Arial"/>
-                <a:ea typeface="Arial"/>
-                <a:cs typeface="Arial"/>
-                <a:sym typeface="Arial"/>
-              </a:rPr>
-              <a:t>Este es un ejemplo de captura de pantalla </a:t>
-            </a:r>
-            <a:br>
-              <a:rPr lang="en-US" sz="1400" b="0" i="1" u="none" strike="noStrike" cap="none">
-                <a:solidFill>
-                  <a:schemeClr val="accent2"/>
-                </a:solidFill>
-                <a:latin typeface="Arial"/>
-                <a:ea typeface="Arial"/>
-                <a:cs typeface="Arial"/>
-                <a:sym typeface="Arial"/>
-              </a:rPr>
-            </a:br>
-            <a:r>
-              <a:rPr lang="en-US" sz="1400" b="0" i="1" u="none" strike="noStrike" cap="none">
-                <a:solidFill>
-                  <a:schemeClr val="accent2"/>
-                </a:solidFill>
-                <a:latin typeface="Arial"/>
-                <a:ea typeface="Arial"/>
-                <a:cs typeface="Arial"/>
-                <a:sym typeface="Arial"/>
-              </a:rPr>
-              <a:t>de un informe anterior</a:t>
-            </a:r>
-            <a:endParaRPr sz="1400" b="0" i="0" u="none" strike="noStrike" cap="none">
-              <a:solidFill>
-                <a:schemeClr val="accent2"/>
-              </a:solidFill>
-              <a:latin typeface="Arial"/>
-              <a:ea typeface="Arial"/>
-              <a:cs typeface="Arial"/>
-              <a:sym typeface="Arial"/>
-            </a:endParaRPr>
-          </a:p>
-        </p:txBody>
-      </p:sp>
-      <p:sp>
-        <p:nvSpPr>
-          <p:cNvPr id="647" name="Google Shape;647;p10"/>
-          <p:cNvSpPr/>
-          <p:nvPr/>
-        </p:nvSpPr>
-        <p:spPr>
-          <a:xfrm>
-            <a:off x="6751675" y="1710075"/>
-            <a:ext cx="1339800" cy="424800"/>
-          </a:xfrm>
-          <a:prstGeom prst="ellipse">
-            <a:avLst/>
-          </a:prstGeom>
-          <a:noFill/>
-          <a:ln w="19050" cap="flat" cmpd="sng">
-            <a:solidFill>
-              <a:srgbClr val="ED7D31"/>
-            </a:solidFill>
-            <a:prstDash val="solid"/>
-            <a:round/>
-            <a:headEnd type="none" w="sm" len="sm"/>
-            <a:tailEnd type="none" w="sm" len="sm"/>
-          </a:ln>
-        </p:spPr>
-        <p:txBody>
-          <a:bodyPr spcFirstLastPara="1" wrap="square" lIns="91425" tIns="91425" rIns="91425" bIns="91425" anchor="t" anchorCtr="0">
-            <a:noAutofit/>
-          </a:bodyPr>
-          <a:lstStyle/>
-          <a:p>
-            <a:pPr marL="0" marR="0" lvl="0" indent="0" algn="l" rtl="0">
-              <a:lnSpc>
-                <a:spcPct val="100000"/>
-              </a:lnSpc>
-              <a:spcBef>
-                <a:spcPts val="0"/>
-              </a:spcBef>
-              <a:spcAft>
-                <a:spcPts val="0"/>
-              </a:spcAft>
-              <a:buClr>
-                <a:srgbClr val="000000"/>
-              </a:buClr>
-              <a:buSzPts val="1400"/>
-              <a:buFont typeface="Arial"/>
-              <a:buNone/>
-            </a:pPr>
-            <a:endParaRPr sz="1400" b="0" i="0" u="none" strike="noStrike" cap="none">
-              <a:solidFill>
-                <a:srgbClr val="000000"/>
-              </a:solidFill>
-              <a:latin typeface="Arial"/>
-              <a:ea typeface="Arial"/>
-              <a:cs typeface="Arial"/>
-              <a:sym typeface="Arial"/>
-            </a:endParaRPr>
-          </a:p>
-        </p:txBody>
-      </p:sp>
-    </p:spTree>
-  </p:cSld>
-  <p:clrMapOvr>
-    <a:masterClrMapping/>
-  </p:clrMapOvr>
-</p:sld>
-</file>
-
 <file path=ppt/slides/slide13.xml><?xml version="1.0" encoding="utf-8"?>
 <p:sld xmlns:a="http://schemas.openxmlformats.org/drawingml/2006/main" xmlns:r="http://schemas.openxmlformats.org/officeDocument/2006/relationships" xmlns:p="http://schemas.openxmlformats.org/presentationml/2006/main">
   <p:cSld>
@@ -46961,7 +46961,7 @@
         <p:spPr>
           <a:xfrm>
             <a:off x="584652" y="4173125"/>
-            <a:ext cx="6090300" cy="942000"/>
+            <a:ext cx="6090300" cy="767987"/>
           </a:xfrm>
           <a:prstGeom prst="rect">
             <a:avLst/>
@@ -46995,7 +46995,7 @@
               <a:buNone/>
             </a:pPr>
             <a:r>
-              <a:rPr lang="en-US" sz="2200" b="0" i="0" u="none" strike="noStrike" cap="none">
+              <a:rPr lang="en-US" sz="2200" b="0" i="0" u="none" strike="noStrike" cap="none" dirty="0" err="1">
                 <a:solidFill>
                   <a:srgbClr val="001E33"/>
                 </a:solidFill>
@@ -47004,33 +47004,141 @@
                 <a:cs typeface="Arial"/>
                 <a:sym typeface="Arial"/>
               </a:rPr>
-              <a:t>Complejidad en tiempo y memoria del nombre del algoritmo. V es...E es... </a:t>
+              <a:t>Complejidad</a:t>
             </a:r>
             <a:r>
-              <a:rPr lang="en-US" sz="1400" b="0" i="0" u="none" strike="noStrike" cap="none">
+              <a:rPr lang="en-US" sz="2200" b="0" i="0" u="none" strike="noStrike" cap="none" dirty="0">
                 <a:solidFill>
-                  <a:srgbClr val="ED7D31"/>
+                  <a:srgbClr val="001E33"/>
                 </a:solidFill>
                 <a:latin typeface="Arial"/>
                 <a:ea typeface="Arial"/>
                 <a:cs typeface="Arial"/>
                 <a:sym typeface="Arial"/>
               </a:rPr>
-              <a:t>(En este semestre, podría ser DFS, BFS, Dijkstra, A*). Por favor, explique qué significan V y E en este problema. </a:t>
+              <a:t> </a:t>
             </a:r>
             <a:r>
-              <a:rPr lang="en-US" sz="1400" b="1" i="0" u="none" strike="noStrike" cap="none">
+              <a:rPr lang="en-US" sz="2200" b="0" i="0" u="none" strike="noStrike" cap="none" dirty="0" err="1">
                 <a:solidFill>
-                  <a:srgbClr val="ED7D31"/>
+                  <a:srgbClr val="001E33"/>
                 </a:solidFill>
                 <a:latin typeface="Arial"/>
                 <a:ea typeface="Arial"/>
                 <a:cs typeface="Arial"/>
                 <a:sym typeface="Arial"/>
               </a:rPr>
-              <a:t>¡POR FAVOR HÁGALO!</a:t>
+              <a:t>en</a:t>
             </a:r>
-            <a:endParaRPr sz="1400" b="1" i="0" u="none" strike="noStrike" cap="none">
+            <a:r>
+              <a:rPr lang="en-US" sz="2200" b="0" i="0" u="none" strike="noStrike" cap="none" dirty="0">
+                <a:solidFill>
+                  <a:srgbClr val="001E33"/>
+                </a:solidFill>
+                <a:latin typeface="Arial"/>
+                <a:ea typeface="Arial"/>
+                <a:cs typeface="Arial"/>
+                <a:sym typeface="Arial"/>
+              </a:rPr>
+              <a:t> </a:t>
+            </a:r>
+            <a:r>
+              <a:rPr lang="en-US" sz="2200" b="0" i="0" u="none" strike="noStrike" cap="none" dirty="0" err="1">
+                <a:solidFill>
+                  <a:srgbClr val="001E33"/>
+                </a:solidFill>
+                <a:latin typeface="Arial"/>
+                <a:ea typeface="Arial"/>
+                <a:cs typeface="Arial"/>
+                <a:sym typeface="Arial"/>
+              </a:rPr>
+              <a:t>tiempo</a:t>
+            </a:r>
+            <a:r>
+              <a:rPr lang="en-US" sz="2200" b="0" i="0" u="none" strike="noStrike" cap="none" dirty="0">
+                <a:solidFill>
+                  <a:srgbClr val="001E33"/>
+                </a:solidFill>
+                <a:latin typeface="Arial"/>
+                <a:ea typeface="Arial"/>
+                <a:cs typeface="Arial"/>
+                <a:sym typeface="Arial"/>
+              </a:rPr>
+              <a:t> y </a:t>
+            </a:r>
+            <a:r>
+              <a:rPr lang="en-US" sz="2200" b="0" i="0" u="none" strike="noStrike" cap="none" dirty="0" err="1">
+                <a:solidFill>
+                  <a:srgbClr val="001E33"/>
+                </a:solidFill>
+                <a:latin typeface="Arial"/>
+                <a:ea typeface="Arial"/>
+                <a:cs typeface="Arial"/>
+                <a:sym typeface="Arial"/>
+              </a:rPr>
+              <a:t>memoria</a:t>
+            </a:r>
+            <a:r>
+              <a:rPr lang="en-US" sz="2200" b="0" i="0" u="none" strike="noStrike" cap="none" dirty="0">
+                <a:solidFill>
+                  <a:srgbClr val="001E33"/>
+                </a:solidFill>
+                <a:latin typeface="Arial"/>
+                <a:ea typeface="Arial"/>
+                <a:cs typeface="Arial"/>
+                <a:sym typeface="Arial"/>
+              </a:rPr>
+              <a:t> del </a:t>
+            </a:r>
+            <a:r>
+              <a:rPr lang="en-US" sz="2200" b="0" i="0" u="none" strike="noStrike" cap="none" dirty="0" err="1">
+                <a:solidFill>
+                  <a:srgbClr val="001E33"/>
+                </a:solidFill>
+                <a:latin typeface="Arial"/>
+                <a:ea typeface="Arial"/>
+                <a:cs typeface="Arial"/>
+                <a:sym typeface="Arial"/>
+              </a:rPr>
+              <a:t>nombre</a:t>
+            </a:r>
+            <a:r>
+              <a:rPr lang="en-US" sz="2200" b="0" i="0" u="none" strike="noStrike" cap="none" dirty="0">
+                <a:solidFill>
+                  <a:srgbClr val="001E33"/>
+                </a:solidFill>
+                <a:latin typeface="Arial"/>
+                <a:ea typeface="Arial"/>
+                <a:cs typeface="Arial"/>
+                <a:sym typeface="Arial"/>
+              </a:rPr>
+              <a:t> del </a:t>
+            </a:r>
+            <a:r>
+              <a:rPr lang="en-US" sz="2200" b="0" i="0" u="none" strike="noStrike" cap="none" dirty="0" err="1">
+                <a:solidFill>
+                  <a:srgbClr val="001E33"/>
+                </a:solidFill>
+                <a:latin typeface="Arial"/>
+                <a:ea typeface="Arial"/>
+                <a:cs typeface="Arial"/>
+                <a:sym typeface="Arial"/>
+              </a:rPr>
+              <a:t>algoritmo</a:t>
+            </a:r>
+            <a:r>
+              <a:rPr lang="en-US" sz="2200" b="0" i="0" u="none" strike="noStrike" cap="none" dirty="0">
+                <a:solidFill>
+                  <a:srgbClr val="001E33"/>
+                </a:solidFill>
+                <a:latin typeface="Arial"/>
+                <a:ea typeface="Arial"/>
+                <a:cs typeface="Arial"/>
+                <a:sym typeface="Arial"/>
+              </a:rPr>
+              <a:t>. V es...E es</a:t>
+            </a:r>
+            <a:endParaRPr sz="1400" b="1" i="0" u="none" strike="noStrike" cap="none" dirty="0">
               <a:solidFill>
                 <a:srgbClr val="ED7D31"/>
               </a:solidFill>
@@ -47044,46 +47152,6 @@
       </p:sp>
       <p:sp>
         <p:nvSpPr>
-          <p:cNvPr id="414" name="Google Shape;414;p5"/>
-          <p:cNvSpPr/>
-          <p:nvPr/>
-        </p:nvSpPr>
-        <p:spPr>
-          <a:xfrm rot="10800000" flipH="1">
-            <a:off x="3356267" y="269947"/>
-            <a:ext cx="1300860" cy="61992"/>
-          </a:xfrm>
-          <a:custGeom>
-            <a:avLst/>
-            <a:gdLst/>
-            <a:ahLst/>
-            <a:cxnLst/>
-            <a:rect l="l" t="t" r="r" b="b"/>
-            <a:pathLst>
-              <a:path w="21600" h="21600" extrusionOk="0">
-                <a:moveTo>
-                  <a:pt x="0" y="0"/>
-                </a:moveTo>
-                <a:lnTo>
-                  <a:pt x="21600" y="21600"/>
-                </a:lnTo>
-              </a:path>
-            </a:pathLst>
-          </a:custGeom>
-          <a:noFill/>
-          <a:ln w="76300" cap="flat" cmpd="sng">
-            <a:solidFill>
-              <a:schemeClr val="accent2"/>
-            </a:solidFill>
-            <a:prstDash val="solid"/>
-            <a:round/>
-            <a:headEnd type="none" w="sm" len="sm"/>
-            <a:tailEnd type="triangle" w="med" len="med"/>
-          </a:ln>
-        </p:spPr>
-      </p:sp>
-      <p:sp>
-        <p:nvSpPr>
           <p:cNvPr id="415" name="Google Shape;415;p5"/>
           <p:cNvSpPr/>
           <p:nvPr/>
@@ -47091,7 +47159,7 @@
         <p:spPr>
           <a:xfrm>
             <a:off x="4149080" y="70200"/>
-            <a:ext cx="2402700" cy="302700"/>
+            <a:ext cx="2402700" cy="306323"/>
           </a:xfrm>
           <a:prstGeom prst="rect">
             <a:avLst/>
@@ -47124,85 +47192,7 @@
               <a:buFont typeface="Arial"/>
               <a:buNone/>
             </a:pPr>
-            <a:r>
-              <a:rPr lang="en-US" sz="1400" b="0" i="1" u="none" strike="noStrike" cap="none">
-                <a:solidFill>
-                  <a:schemeClr val="accent2"/>
-                </a:solidFill>
-                <a:latin typeface="Arial"/>
-                <a:ea typeface="Arial"/>
-                <a:cs typeface="Arial"/>
-                <a:sym typeface="Arial"/>
-              </a:rPr>
-              <a:t>Mantenga este título</a:t>
-            </a:r>
-            <a:endParaRPr sz="1400" b="0" i="0" u="none" strike="noStrike" cap="none">
-              <a:solidFill>
-                <a:schemeClr val="accent2"/>
-              </a:solidFill>
-              <a:latin typeface="Arial"/>
-              <a:ea typeface="Arial"/>
-              <a:cs typeface="Arial"/>
-              <a:sym typeface="Arial"/>
-            </a:endParaRPr>
-          </a:p>
-        </p:txBody>
-      </p:sp>
-      <p:sp>
-        <p:nvSpPr>
-          <p:cNvPr id="416" name="Google Shape;416;p5"/>
-          <p:cNvSpPr/>
-          <p:nvPr/>
-        </p:nvSpPr>
-        <p:spPr>
-          <a:xfrm>
-            <a:off x="6812235" y="1064500"/>
-            <a:ext cx="3425400" cy="729000"/>
-          </a:xfrm>
-          <a:prstGeom prst="rect">
-            <a:avLst/>
-          </a:prstGeom>
-          <a:noFill/>
-          <a:ln>
-            <a:noFill/>
-          </a:ln>
-        </p:spPr>
-        <p:txBody>
-          <a:bodyPr spcFirstLastPara="1" wrap="square" lIns="90000" tIns="45000" rIns="90000" bIns="45000" anchor="t" anchorCtr="0">
-            <a:spAutoFit/>
-          </a:bodyPr>
-          <a:lstStyle/>
-          <a:p>
-            <a:pPr marL="0" marR="0" lvl="0" indent="0" algn="ctr" rtl="0">
-              <a:lnSpc>
-                <a:spcPct val="100000"/>
-              </a:lnSpc>
-              <a:spcBef>
-                <a:spcPts val="0"/>
-              </a:spcBef>
-              <a:spcAft>
-                <a:spcPts val="0"/>
-              </a:spcAft>
-              <a:buClr>
-                <a:srgbClr val="000000"/>
-              </a:buClr>
-              <a:buSzPts val="1400"/>
-              <a:buFont typeface="Arial"/>
-              <a:buNone/>
-            </a:pPr>
-            <a:r>
-              <a:rPr lang="en-US" sz="1400" b="0" i="1" u="none" strike="noStrike" cap="none">
-                <a:solidFill>
-                  <a:schemeClr val="accent2"/>
-                </a:solidFill>
-                <a:latin typeface="Arial"/>
-                <a:ea typeface="Arial"/>
-                <a:cs typeface="Arial"/>
-                <a:sym typeface="Arial"/>
-              </a:rPr>
-              <a:t>Cree la tabla en Powerpoint. No copie capturas de pantalla pixeladas del informe técnico, por favor.</a:t>
-            </a:r>
-            <a:endParaRPr sz="1400" b="0" i="0" u="none" strike="noStrike" cap="none">
+            <a:endParaRPr sz="1400" b="0" i="0" u="none" strike="noStrike" cap="none" dirty="0">
               <a:solidFill>
                 <a:schemeClr val="accent2"/>
               </a:solidFill>
@@ -47224,258 +47214,6 @@
           <a:xfrm rot="10800000" flipH="1">
             <a:off x="4567200" y="1174620"/>
             <a:ext cx="602262" cy="460728"/>
-          </a:xfrm>
-          <a:custGeom>
-            <a:avLst/>
-            <a:gdLst/>
-            <a:ahLst/>
-            <a:cxnLst/>
-            <a:rect l="l" t="t" r="r" b="b"/>
-            <a:pathLst>
-              <a:path w="21600" h="21600" extrusionOk="0">
-                <a:moveTo>
-                  <a:pt x="0" y="0"/>
-                </a:moveTo>
-                <a:lnTo>
-                  <a:pt x="21600" y="21600"/>
-                </a:lnTo>
-              </a:path>
-            </a:pathLst>
-          </a:custGeom>
-          <a:noFill/>
-          <a:ln w="76300" cap="flat" cmpd="sng">
-            <a:solidFill>
-              <a:schemeClr val="accent2"/>
-            </a:solidFill>
-            <a:prstDash val="solid"/>
-            <a:round/>
-            <a:headEnd type="none" w="sm" len="sm"/>
-            <a:tailEnd type="triangle" w="med" len="med"/>
-          </a:ln>
-        </p:spPr>
-      </p:sp>
-      <p:sp>
-        <p:nvSpPr>
-          <p:cNvPr id="418" name="Google Shape;418;p5"/>
-          <p:cNvSpPr/>
-          <p:nvPr/>
-        </p:nvSpPr>
-        <p:spPr>
-          <a:xfrm>
-            <a:off x="3742440" y="5360880"/>
-            <a:ext cx="2932500" cy="516000"/>
-          </a:xfrm>
-          <a:prstGeom prst="rect">
-            <a:avLst/>
-          </a:prstGeom>
-          <a:noFill/>
-          <a:ln>
-            <a:noFill/>
-          </a:ln>
-        </p:spPr>
-        <p:txBody>
-          <a:bodyPr spcFirstLastPara="1" wrap="square" lIns="90000" tIns="45000" rIns="90000" bIns="45000" anchor="t" anchorCtr="0">
-            <a:spAutoFit/>
-          </a:bodyPr>
-          <a:lstStyle/>
-          <a:p>
-            <a:pPr marL="0" marR="0" lvl="0" indent="0" algn="ctr" rtl="0">
-              <a:lnSpc>
-                <a:spcPct val="100000"/>
-              </a:lnSpc>
-              <a:spcBef>
-                <a:spcPts val="0"/>
-              </a:spcBef>
-              <a:spcAft>
-                <a:spcPts val="0"/>
-              </a:spcAft>
-              <a:buClr>
-                <a:srgbClr val="000000"/>
-              </a:buClr>
-              <a:buSzPts val="1400"/>
-              <a:buFont typeface="Arial"/>
-              <a:buNone/>
-            </a:pPr>
-            <a:r>
-              <a:rPr lang="en-US" sz="1400" b="0" i="1" u="none" strike="noStrike" cap="none">
-                <a:solidFill>
-                  <a:schemeClr val="accent2"/>
-                </a:solidFill>
-                <a:latin typeface="Arial"/>
-                <a:ea typeface="Arial"/>
-                <a:cs typeface="Arial"/>
-                <a:sym typeface="Arial"/>
-              </a:rPr>
-              <a:t>Explique las tablas en su</a:t>
-            </a:r>
-            <a:endParaRPr sz="1400" b="0" i="0" u="none" strike="noStrike" cap="none">
-              <a:solidFill>
-                <a:schemeClr val="accent2"/>
-              </a:solidFill>
-              <a:latin typeface="Arial"/>
-              <a:ea typeface="Arial"/>
-              <a:cs typeface="Arial"/>
-              <a:sym typeface="Arial"/>
-            </a:endParaRPr>
-          </a:p>
-          <a:p>
-            <a:pPr marL="0" marR="0" lvl="0" indent="0" algn="ctr" rtl="0">
-              <a:lnSpc>
-                <a:spcPct val="100000"/>
-              </a:lnSpc>
-              <a:spcBef>
-                <a:spcPts val="0"/>
-              </a:spcBef>
-              <a:spcAft>
-                <a:spcPts val="0"/>
-              </a:spcAft>
-              <a:buClr>
-                <a:srgbClr val="000000"/>
-              </a:buClr>
-              <a:buSzPts val="1400"/>
-              <a:buFont typeface="Arial"/>
-              <a:buNone/>
-            </a:pPr>
-            <a:r>
-              <a:rPr lang="en-US" sz="1400" b="0" i="1" u="none" strike="noStrike" cap="none">
-                <a:solidFill>
-                  <a:schemeClr val="accent2"/>
-                </a:solidFill>
-                <a:latin typeface="Arial"/>
-                <a:ea typeface="Arial"/>
-                <a:cs typeface="Arial"/>
-                <a:sym typeface="Arial"/>
-              </a:rPr>
-              <a:t>palabras propias</a:t>
-            </a:r>
-            <a:endParaRPr sz="1400" b="0" i="0" u="none" strike="noStrike" cap="none">
-              <a:solidFill>
-                <a:schemeClr val="accent2"/>
-              </a:solidFill>
-              <a:latin typeface="Arial"/>
-              <a:ea typeface="Arial"/>
-              <a:cs typeface="Arial"/>
-              <a:sym typeface="Arial"/>
-            </a:endParaRPr>
-          </a:p>
-        </p:txBody>
-      </p:sp>
-      <p:sp>
-        <p:nvSpPr>
-          <p:cNvPr id="419" name="Google Shape;419;p5"/>
-          <p:cNvSpPr/>
-          <p:nvPr/>
-        </p:nvSpPr>
-        <p:spPr>
-          <a:xfrm>
-            <a:off x="3546805" y="5357025"/>
-            <a:ext cx="602262" cy="460728"/>
-          </a:xfrm>
-          <a:custGeom>
-            <a:avLst/>
-            <a:gdLst/>
-            <a:ahLst/>
-            <a:cxnLst/>
-            <a:rect l="l" t="t" r="r" b="b"/>
-            <a:pathLst>
-              <a:path w="21600" h="21600" extrusionOk="0">
-                <a:moveTo>
-                  <a:pt x="0" y="0"/>
-                </a:moveTo>
-                <a:lnTo>
-                  <a:pt x="21600" y="21600"/>
-                </a:lnTo>
-              </a:path>
-            </a:pathLst>
-          </a:custGeom>
-          <a:noFill/>
-          <a:ln w="76300" cap="flat" cmpd="sng">
-            <a:solidFill>
-              <a:schemeClr val="accent2"/>
-            </a:solidFill>
-            <a:prstDash val="solid"/>
-            <a:round/>
-            <a:headEnd type="none" w="sm" len="sm"/>
-            <a:tailEnd type="triangle" w="med" len="med"/>
-          </a:ln>
-        </p:spPr>
-      </p:sp>
-      <p:sp>
-        <p:nvSpPr>
-          <p:cNvPr id="420" name="Google Shape;420;p5"/>
-          <p:cNvSpPr/>
-          <p:nvPr/>
-        </p:nvSpPr>
-        <p:spPr>
-          <a:xfrm>
-            <a:off x="8034840" y="5069280"/>
-            <a:ext cx="2932500" cy="729000"/>
-          </a:xfrm>
-          <a:prstGeom prst="rect">
-            <a:avLst/>
-          </a:prstGeom>
-          <a:noFill/>
-          <a:ln>
-            <a:noFill/>
-          </a:ln>
-        </p:spPr>
-        <p:txBody>
-          <a:bodyPr spcFirstLastPara="1" wrap="square" lIns="90000" tIns="45000" rIns="90000" bIns="45000" anchor="t" anchorCtr="0">
-            <a:spAutoFit/>
-          </a:bodyPr>
-          <a:lstStyle/>
-          <a:p>
-            <a:pPr marL="0" marR="0" lvl="0" indent="0" algn="ctr" rtl="0">
-              <a:lnSpc>
-                <a:spcPct val="100000"/>
-              </a:lnSpc>
-              <a:spcBef>
-                <a:spcPts val="0"/>
-              </a:spcBef>
-              <a:spcAft>
-                <a:spcPts val="0"/>
-              </a:spcAft>
-              <a:buClr>
-                <a:schemeClr val="dk1"/>
-              </a:buClr>
-              <a:buSzPts val="1400"/>
-              <a:buFont typeface="Arial"/>
-              <a:buNone/>
-            </a:pPr>
-            <a:r>
-              <a:rPr lang="en-US" sz="1400" b="0" i="1" u="none" strike="noStrike" cap="none">
-                <a:solidFill>
-                  <a:schemeClr val="accent2"/>
-                </a:solidFill>
-                <a:latin typeface="Arial"/>
-                <a:ea typeface="Arial"/>
-                <a:cs typeface="Arial"/>
-                <a:sym typeface="Arial"/>
-              </a:rPr>
-              <a:t>Incluir una imagen en alta definición relacionada con el problema del acoso sexual callejero</a:t>
-            </a:r>
-            <a:endParaRPr sz="1400" b="0" i="0" u="none" strike="noStrike" cap="none">
-              <a:solidFill>
-                <a:srgbClr val="000000"/>
-              </a:solidFill>
-              <a:latin typeface="Arial"/>
-              <a:ea typeface="Arial"/>
-              <a:cs typeface="Arial"/>
-              <a:sym typeface="Arial"/>
-            </a:endParaRPr>
-          </a:p>
-        </p:txBody>
-      </p:sp>
-      <p:sp>
-        <p:nvSpPr>
-          <p:cNvPr id="421" name="Google Shape;421;p5"/>
-          <p:cNvSpPr/>
-          <p:nvPr/>
-        </p:nvSpPr>
-        <p:spPr>
-          <a:xfrm>
-            <a:off x="7257944" y="4937746"/>
-            <a:ext cx="602262" cy="515862"/>
           </a:xfrm>
           <a:custGeom>
             <a:avLst/>
@@ -48387,112 +48125,6 @@
       </p:graphicFrame>
       <p:sp>
         <p:nvSpPr>
-          <p:cNvPr id="423" name="Google Shape;423;p5"/>
-          <p:cNvSpPr/>
-          <p:nvPr/>
-        </p:nvSpPr>
-        <p:spPr>
-          <a:xfrm>
-            <a:off x="8229600" y="124200"/>
-            <a:ext cx="2114640" cy="515880"/>
-          </a:xfrm>
-          <a:prstGeom prst="rect">
-            <a:avLst/>
-          </a:prstGeom>
-          <a:noFill/>
-          <a:ln>
-            <a:noFill/>
-          </a:ln>
-        </p:spPr>
-        <p:txBody>
-          <a:bodyPr spcFirstLastPara="1" wrap="square" lIns="90000" tIns="45000" rIns="90000" bIns="45000" anchor="t" anchorCtr="0">
-            <a:spAutoFit/>
-          </a:bodyPr>
-          <a:lstStyle/>
-          <a:p>
-            <a:pPr marL="0" marR="0" lvl="0" indent="0" algn="ctr" rtl="0">
-              <a:lnSpc>
-                <a:spcPct val="100000"/>
-              </a:lnSpc>
-              <a:spcBef>
-                <a:spcPts val="0"/>
-              </a:spcBef>
-              <a:spcAft>
-                <a:spcPts val="0"/>
-              </a:spcAft>
-              <a:buClr>
-                <a:srgbClr val="000000"/>
-              </a:buClr>
-              <a:buSzPts val="1400"/>
-              <a:buFont typeface="Arial"/>
-              <a:buNone/>
-            </a:pPr>
-            <a:r>
-              <a:rPr lang="en-US" sz="1400" b="0" i="1" u="none" strike="noStrike" cap="none">
-                <a:solidFill>
-                  <a:schemeClr val="accent2"/>
-                </a:solidFill>
-                <a:latin typeface="Arial"/>
-                <a:ea typeface="Arial"/>
-                <a:cs typeface="Arial"/>
-                <a:sym typeface="Arial"/>
-              </a:rPr>
-              <a:t>Complete esta diapositiva</a:t>
-            </a:r>
-            <a:endParaRPr sz="1400" b="0" i="0" u="none" strike="noStrike" cap="none">
-              <a:solidFill>
-                <a:schemeClr val="accent2"/>
-              </a:solidFill>
-              <a:latin typeface="Arial"/>
-              <a:ea typeface="Arial"/>
-              <a:cs typeface="Arial"/>
-              <a:sym typeface="Arial"/>
-            </a:endParaRPr>
-          </a:p>
-          <a:p>
-            <a:pPr marL="0" marR="0" lvl="0" indent="0" algn="ctr" rtl="0">
-              <a:lnSpc>
-                <a:spcPct val="100000"/>
-              </a:lnSpc>
-              <a:spcBef>
-                <a:spcPts val="0"/>
-              </a:spcBef>
-              <a:spcAft>
-                <a:spcPts val="0"/>
-              </a:spcAft>
-              <a:buClr>
-                <a:srgbClr val="000000"/>
-              </a:buClr>
-              <a:buSzPts val="1400"/>
-              <a:buFont typeface="Arial"/>
-              <a:buNone/>
-            </a:pPr>
-            <a:r>
-              <a:rPr lang="en-US" sz="1400" b="0" i="1" u="none" strike="noStrike" cap="none">
-                <a:solidFill>
-                  <a:schemeClr val="accent2"/>
-                </a:solidFill>
-                <a:latin typeface="Arial"/>
-                <a:ea typeface="Arial"/>
-                <a:cs typeface="Arial"/>
-                <a:sym typeface="Arial"/>
-              </a:rPr>
-              <a:t>Para la segunda entrega</a:t>
-            </a:r>
-            <a:endParaRPr sz="1400" b="0" i="0" u="none" strike="noStrike" cap="none">
-              <a:solidFill>
-                <a:schemeClr val="accent2"/>
-              </a:solidFill>
-              <a:latin typeface="Arial"/>
-              <a:ea typeface="Arial"/>
-              <a:cs typeface="Arial"/>
-              <a:sym typeface="Arial"/>
-            </a:endParaRPr>
-          </a:p>
-        </p:txBody>
-      </p:sp>
-      <p:sp>
-        <p:nvSpPr>
           <p:cNvPr id="424" name="Google Shape;424;p5"/>
           <p:cNvSpPr/>
           <p:nvPr/>
@@ -48533,19 +48165,7 @@
               <a:buFont typeface="Arial"/>
               <a:buNone/>
             </a:pPr>
-            <a:r>
-              <a:rPr lang="en-US" sz="1400" b="0" i="1" u="none" strike="noStrike" cap="none">
-                <a:solidFill>
-                  <a:schemeClr val="accent2"/>
-                </a:solidFill>
-                <a:latin typeface="Arial"/>
-                <a:ea typeface="Arial"/>
-                <a:cs typeface="Arial"/>
-                <a:sym typeface="Arial"/>
-              </a:rPr>
-              <a:t>NO utilizar el color rojo en las diapositivas</a:t>
-            </a:r>
-            <a:endParaRPr sz="1400" b="0" i="0" u="none" strike="noStrike" cap="none">
+            <a:endParaRPr sz="1400" b="0" i="0" u="none" strike="noStrike" cap="none" dirty="0">
               <a:solidFill>
                 <a:schemeClr val="accent2"/>
               </a:solidFill>
@@ -48599,31 +48219,7 @@
               <a:buFont typeface="Arial"/>
               <a:buNone/>
             </a:pPr>
-            <a:r>
-              <a:rPr lang="en-US" sz="1400" b="0" i="1" u="none" strike="noStrike" cap="none">
-                <a:solidFill>
-                  <a:srgbClr val="ED7D31"/>
-                </a:solidFill>
-                <a:latin typeface="Arial"/>
-                <a:ea typeface="Arial"/>
-                <a:cs typeface="Arial"/>
-                <a:sym typeface="Arial"/>
-              </a:rPr>
-              <a:t>Utilice los superíndices para representar los exponentes. </a:t>
-            </a:r>
-            <a:r>
-              <a:rPr lang="en-US" sz="1400" b="1" i="1" u="none" strike="noStrike" cap="none">
-                <a:solidFill>
-                  <a:srgbClr val="ED7D31"/>
-                </a:solidFill>
-                <a:latin typeface="Arial"/>
-                <a:ea typeface="Arial"/>
-                <a:cs typeface="Arial"/>
-                <a:sym typeface="Arial"/>
-              </a:rPr>
-              <a:t>NO utilice el símbolo ^.</a:t>
-            </a:r>
-            <a:endParaRPr sz="1400" b="1" i="0" u="none" strike="noStrike" cap="none">
+            <a:endParaRPr sz="1400" b="1" i="0" u="none" strike="noStrike" cap="none" dirty="0">
               <a:solidFill>
                 <a:srgbClr val="ED7D31"/>
               </a:solidFill>
@@ -48634,46 +48230,6 @@
             </a:endParaRPr>
           </a:p>
         </p:txBody>
-      </p:sp>
-      <p:sp>
-        <p:nvSpPr>
-          <p:cNvPr id="426" name="Google Shape;426;p5"/>
-          <p:cNvSpPr/>
-          <p:nvPr/>
-        </p:nvSpPr>
-        <p:spPr>
-          <a:xfrm flipH="1">
-            <a:off x="2232538" y="5453601"/>
-            <a:ext cx="317358" cy="593082"/>
-          </a:xfrm>
-          <a:custGeom>
-            <a:avLst/>
-            <a:gdLst/>
-            <a:ahLst/>
-            <a:cxnLst/>
-            <a:rect l="l" t="t" r="r" b="b"/>
-            <a:pathLst>
-              <a:path w="21600" h="21600" extrusionOk="0">
-                <a:moveTo>
-                  <a:pt x="0" y="0"/>
-                </a:moveTo>
-                <a:lnTo>
-                  <a:pt x="21600" y="21600"/>
-                </a:lnTo>
-              </a:path>
-            </a:pathLst>
-          </a:custGeom>
-          <a:noFill/>
-          <a:ln w="76300" cap="flat" cmpd="sng">
-            <a:solidFill>
-              <a:srgbClr val="ED7D31"/>
-            </a:solidFill>
-            <a:prstDash val="solid"/>
-            <a:round/>
-            <a:headEnd type="none" w="sm" len="sm"/>
-            <a:tailEnd type="triangle" w="med" len="med"/>
-          </a:ln>
-        </p:spPr>
       </p:sp>
       <p:pic>
         <p:nvPicPr>
@@ -48702,72 +48258,6 @@
           </a:ln>
         </p:spPr>
       </p:pic>
-      <p:sp>
-        <p:nvSpPr>
-          <p:cNvPr id="428" name="Google Shape;428;p5"/>
-          <p:cNvSpPr txBox="1"/>
-          <p:nvPr/>
-        </p:nvSpPr>
-        <p:spPr>
-          <a:xfrm>
-            <a:off x="6707225" y="6014975"/>
-            <a:ext cx="3000000" cy="615600"/>
-          </a:xfrm>
-          <a:prstGeom prst="rect">
-            <a:avLst/>
-          </a:prstGeom>
-          <a:noFill/>
-          <a:ln>
-            <a:noFill/>
-          </a:ln>
-        </p:spPr>
-        <p:txBody>
-          <a:bodyPr spcFirstLastPara="1" wrap="square" lIns="91425" tIns="91425" rIns="91425" bIns="91425" anchor="t" anchorCtr="0">
-            <a:spAutoFit/>
-          </a:bodyPr>
-          <a:lstStyle/>
-          <a:p>
-            <a:pPr marL="0" marR="0" lvl="0" indent="0" algn="ctr" rtl="0">
-              <a:lnSpc>
-                <a:spcPct val="100000"/>
-              </a:lnSpc>
-              <a:spcBef>
-                <a:spcPts val="0"/>
-              </a:spcBef>
-              <a:spcAft>
-                <a:spcPts val="0"/>
-              </a:spcAft>
-              <a:buClr>
-                <a:srgbClr val="000000"/>
-              </a:buClr>
-              <a:buSzPts val="1400"/>
-              <a:buFont typeface="Arial"/>
-              <a:buNone/>
-            </a:pPr>
-            <a:r>
-              <a:rPr lang="en-US" sz="1400" b="0" i="1" u="none" strike="noStrike" cap="none">
-                <a:solidFill>
-                  <a:schemeClr val="accent2"/>
-                </a:solidFill>
-                <a:latin typeface="Arial"/>
-                <a:ea typeface="Arial"/>
-                <a:cs typeface="Arial"/>
-                <a:sym typeface="Arial"/>
-              </a:rPr>
-              <a:t>El tamaño de la letra debe ser de al menos 22 puntos</a:t>
-            </a:r>
-            <a:endParaRPr sz="1400" b="1" i="0" u="none" strike="noStrike" cap="none">
-              <a:solidFill>
-                <a:schemeClr val="accent2"/>
-              </a:solidFill>
-              <a:latin typeface="Arial"/>
-              <a:ea typeface="Arial"/>
-              <a:cs typeface="Arial"/>
-              <a:sym typeface="Arial"/>
-            </a:endParaRPr>
-          </a:p>
-        </p:txBody>
-      </p:sp>
     </p:spTree>
   </p:cSld>
   <p:clrMapOvr>
@@ -51501,7 +50991,7 @@
         </p:nvGraphicFramePr>
         <p:xfrm>
           <a:off x="333820" y="1803840"/>
-          <a:ext cx="3000000" cy="3000000"/>
+          <a:ext cx="11310600" cy="3383320"/>
         </p:xfrm>
         <a:graphic>
           <a:graphicData uri="http://schemas.openxmlformats.org/drawingml/2006/table">
